--- a/SchedulerImplementation-2/Figures/Algorithm_Model.pptx
+++ b/SchedulerImplementation-2/Figures/Algorithm_Model.pptx
@@ -136,7 +136,7 @@
         </p:nvSpPr>
         <p:spPr>
           <a:xfrm>
-            <a:off x="514350" y="3077283"/>
+            <a:off x="514352" y="3077284"/>
             <a:ext cx="5829301" cy="2123369"/>
           </a:xfrm>
         </p:spPr>
@@ -288,7 +288,7 @@
           <a:p>
             <a:fld id="{957C6957-D9CF-4A5E-A116-29D200421200}" type="datetimeFigureOut">
               <a:rPr lang="en-US" smtClean="0"/>
-              <a:t>13-Jun-15</a:t>
+              <a:t>15-Jun-15</a:t>
             </a:fld>
             <a:endParaRPr lang="en-US"/>
           </a:p>
@@ -458,7 +458,7 @@
           <a:p>
             <a:fld id="{957C6957-D9CF-4A5E-A116-29D200421200}" type="datetimeFigureOut">
               <a:rPr lang="en-US" smtClean="0"/>
-              <a:t>13-Jun-15</a:t>
+              <a:t>15-Jun-15</a:t>
             </a:fld>
             <a:endParaRPr lang="en-US"/>
           </a:p>
@@ -638,7 +638,7 @@
           <a:p>
             <a:fld id="{957C6957-D9CF-4A5E-A116-29D200421200}" type="datetimeFigureOut">
               <a:rPr lang="en-US" smtClean="0"/>
-              <a:t>13-Jun-15</a:t>
+              <a:t>15-Jun-15</a:t>
             </a:fld>
             <a:endParaRPr lang="en-US"/>
           </a:p>
@@ -808,7 +808,7 @@
           <a:p>
             <a:fld id="{957C6957-D9CF-4A5E-A116-29D200421200}" type="datetimeFigureOut">
               <a:rPr lang="en-US" smtClean="0"/>
-              <a:t>13-Jun-15</a:t>
+              <a:t>15-Jun-15</a:t>
             </a:fld>
             <a:endParaRPr lang="en-US"/>
           </a:p>
@@ -898,7 +898,7 @@
         </p:nvSpPr>
         <p:spPr>
           <a:xfrm>
-            <a:off x="541734" y="6365523"/>
+            <a:off x="541736" y="6365523"/>
             <a:ext cx="5829301" cy="1967442"/>
           </a:xfrm>
         </p:spPr>
@@ -930,7 +930,7 @@
         </p:nvSpPr>
         <p:spPr>
           <a:xfrm>
-            <a:off x="541734" y="4198589"/>
+            <a:off x="541736" y="4198590"/>
             <a:ext cx="5829301" cy="2166935"/>
           </a:xfrm>
         </p:spPr>
@@ -1054,7 +1054,7 @@
           <a:p>
             <a:fld id="{957C6957-D9CF-4A5E-A116-29D200421200}" type="datetimeFigureOut">
               <a:rPr lang="en-US" smtClean="0"/>
-              <a:t>13-Jun-15</a:t>
+              <a:t>15-Jun-15</a:t>
             </a:fld>
             <a:endParaRPr lang="en-US"/>
           </a:p>
@@ -1167,7 +1167,7 @@
         </p:nvSpPr>
         <p:spPr>
           <a:xfrm>
-            <a:off x="342903" y="2311403"/>
+            <a:off x="342903" y="2311404"/>
             <a:ext cx="3028950" cy="6537501"/>
           </a:xfrm>
         </p:spPr>
@@ -1252,7 +1252,7 @@
         </p:nvSpPr>
         <p:spPr>
           <a:xfrm>
-            <a:off x="3486153" y="2311403"/>
+            <a:off x="3486153" y="2311404"/>
             <a:ext cx="3028950" cy="6537501"/>
           </a:xfrm>
         </p:spPr>
@@ -1342,7 +1342,7 @@
           <a:p>
             <a:fld id="{957C6957-D9CF-4A5E-A116-29D200421200}" type="datetimeFigureOut">
               <a:rPr lang="en-US" smtClean="0"/>
-              <a:t>13-Jun-15</a:t>
+              <a:t>15-Jun-15</a:t>
             </a:fld>
             <a:endParaRPr lang="en-US"/>
           </a:p>
@@ -1459,7 +1459,7 @@
         </p:nvSpPr>
         <p:spPr>
           <a:xfrm>
-            <a:off x="342904" y="2217386"/>
+            <a:off x="342905" y="2217386"/>
             <a:ext cx="3030141" cy="924100"/>
           </a:xfrm>
         </p:spPr>
@@ -1524,7 +1524,7 @@
         </p:nvSpPr>
         <p:spPr>
           <a:xfrm>
-            <a:off x="342904" y="3141487"/>
+            <a:off x="342905" y="3141487"/>
             <a:ext cx="3030141" cy="5707415"/>
           </a:xfrm>
         </p:spPr>
@@ -1609,7 +1609,7 @@
         </p:nvSpPr>
         <p:spPr>
           <a:xfrm>
-            <a:off x="3483769" y="2217386"/>
+            <a:off x="3483771" y="2217386"/>
             <a:ext cx="3031331" cy="924100"/>
           </a:xfrm>
         </p:spPr>
@@ -1674,7 +1674,7 @@
         </p:nvSpPr>
         <p:spPr>
           <a:xfrm>
-            <a:off x="3483769" y="3141487"/>
+            <a:off x="3483771" y="3141487"/>
             <a:ext cx="3031331" cy="5707415"/>
           </a:xfrm>
         </p:spPr>
@@ -1764,7 +1764,7 @@
           <a:p>
             <a:fld id="{957C6957-D9CF-4A5E-A116-29D200421200}" type="datetimeFigureOut">
               <a:rPr lang="en-US" smtClean="0"/>
-              <a:t>13-Jun-15</a:t>
+              <a:t>15-Jun-15</a:t>
             </a:fld>
             <a:endParaRPr lang="en-US"/>
           </a:p>
@@ -1882,7 +1882,7 @@
           <a:p>
             <a:fld id="{957C6957-D9CF-4A5E-A116-29D200421200}" type="datetimeFigureOut">
               <a:rPr lang="en-US" smtClean="0"/>
-              <a:t>13-Jun-15</a:t>
+              <a:t>15-Jun-15</a:t>
             </a:fld>
             <a:endParaRPr lang="en-US"/>
           </a:p>
@@ -1977,7 +1977,7 @@
           <a:p>
             <a:fld id="{957C6957-D9CF-4A5E-A116-29D200421200}" type="datetimeFigureOut">
               <a:rPr lang="en-US" smtClean="0"/>
-              <a:t>13-Jun-15</a:t>
+              <a:t>15-Jun-15</a:t>
             </a:fld>
             <a:endParaRPr lang="en-US"/>
           </a:p>
@@ -2067,7 +2067,7 @@
         </p:nvSpPr>
         <p:spPr>
           <a:xfrm>
-            <a:off x="342904" y="394407"/>
+            <a:off x="342906" y="394408"/>
             <a:ext cx="2256235" cy="1678517"/>
           </a:xfrm>
         </p:spPr>
@@ -2099,7 +2099,7 @@
         </p:nvSpPr>
         <p:spPr>
           <a:xfrm>
-            <a:off x="2681287" y="394406"/>
+            <a:off x="2681289" y="394406"/>
             <a:ext cx="3833813" cy="8454498"/>
           </a:xfrm>
         </p:spPr>
@@ -2184,7 +2184,7 @@
         </p:nvSpPr>
         <p:spPr>
           <a:xfrm>
-            <a:off x="342904" y="2072925"/>
+            <a:off x="342906" y="2072925"/>
             <a:ext cx="2256235" cy="6775980"/>
           </a:xfrm>
         </p:spPr>
@@ -2254,7 +2254,7 @@
           <a:p>
             <a:fld id="{957C6957-D9CF-4A5E-A116-29D200421200}" type="datetimeFigureOut">
               <a:rPr lang="en-US" smtClean="0"/>
-              <a:t>13-Jun-15</a:t>
+              <a:t>15-Jun-15</a:t>
             </a:fld>
             <a:endParaRPr lang="en-US"/>
           </a:p>
@@ -2344,7 +2344,7 @@
         </p:nvSpPr>
         <p:spPr>
           <a:xfrm>
-            <a:off x="1344216" y="6934202"/>
+            <a:off x="1344216" y="6934203"/>
             <a:ext cx="4114800" cy="818621"/>
           </a:xfrm>
         </p:spPr>
@@ -2376,7 +2376,7 @@
         </p:nvSpPr>
         <p:spPr>
           <a:xfrm>
-            <a:off x="1344216" y="885118"/>
+            <a:off x="1344216" y="885119"/>
             <a:ext cx="4114800" cy="5943600"/>
           </a:xfrm>
         </p:spPr>
@@ -2437,7 +2437,7 @@
         </p:nvSpPr>
         <p:spPr>
           <a:xfrm>
-            <a:off x="1344216" y="7752823"/>
+            <a:off x="1344216" y="7752824"/>
             <a:ext cx="4114800" cy="1162579"/>
           </a:xfrm>
         </p:spPr>
@@ -2507,7 +2507,7 @@
           <a:p>
             <a:fld id="{957C6957-D9CF-4A5E-A116-29D200421200}" type="datetimeFigureOut">
               <a:rPr lang="en-US" smtClean="0"/>
-              <a:t>13-Jun-15</a:t>
+              <a:t>15-Jun-15</a:t>
             </a:fld>
             <a:endParaRPr lang="en-US"/>
           </a:p>
@@ -2635,7 +2635,7 @@
         </p:nvSpPr>
         <p:spPr>
           <a:xfrm>
-            <a:off x="342903" y="2311403"/>
+            <a:off x="342903" y="2311404"/>
             <a:ext cx="6172200" cy="6537501"/>
           </a:xfrm>
           <a:prstGeom prst="rect">
@@ -2720,7 +2720,7 @@
           <a:p>
             <a:fld id="{957C6957-D9CF-4A5E-A116-29D200421200}" type="datetimeFigureOut">
               <a:rPr lang="en-US" smtClean="0"/>
-              <a:t>13-Jun-15</a:t>
+              <a:t>15-Jun-15</a:t>
             </a:fld>
             <a:endParaRPr lang="en-US"/>
           </a:p>
@@ -3103,7 +3103,7 @@
         </p:nvSpPr>
         <p:spPr>
           <a:xfrm>
-            <a:off x="203596" y="7050040"/>
+            <a:off x="233166" y="6234836"/>
             <a:ext cx="3266680" cy="1429808"/>
           </a:xfrm>
           <a:prstGeom prst="rect">
@@ -3143,8 +3143,8 @@
         </p:nvSpPr>
         <p:spPr>
           <a:xfrm>
-            <a:off x="152404" y="5695413"/>
-            <a:ext cx="3825080" cy="3753387"/>
+            <a:off x="181975" y="4662366"/>
+            <a:ext cx="3828051" cy="3971231"/>
           </a:xfrm>
           <a:prstGeom prst="rect">
             <a:avLst/>
@@ -3181,8 +3181,8 @@
         </p:nvSpPr>
         <p:spPr>
           <a:xfrm>
-            <a:off x="291108" y="8573260"/>
-            <a:ext cx="3616921" cy="723139"/>
+            <a:off x="320678" y="7758056"/>
+            <a:ext cx="3497764" cy="723139"/>
           </a:xfrm>
           <a:prstGeom prst="rect">
             <a:avLst/>
@@ -3219,8 +3219,8 @@
         </p:nvSpPr>
         <p:spPr>
           <a:xfrm>
-            <a:off x="4095751" y="6248400"/>
-            <a:ext cx="2228849" cy="2057400"/>
+            <a:off x="4516568" y="4662366"/>
+            <a:ext cx="1969489" cy="2057400"/>
           </a:xfrm>
           <a:prstGeom prst="rect">
             <a:avLst/>
@@ -3249,8 +3249,8 @@
           </a:p>
         </p:txBody>
       </p:sp>
-      <mc:AlternateContent xmlns:mc="http://schemas.openxmlformats.org/markup-compatibility/2006" xmlns:a14="http://schemas.microsoft.com/office/drawing/2010/main">
-        <mc:Choice Requires="a14">
+      <mc:AlternateContent xmlns:mc="http://schemas.openxmlformats.org/markup-compatibility/2006">
+        <mc:Choice xmlns:a14="http://schemas.microsoft.com/office/drawing/2010/main" Requires="a14">
           <p:sp>
             <p:nvSpPr>
               <p:cNvPr id="5" name="Flowchart: Decision 4"/>
@@ -3259,8 +3259,8 @@
             </p:nvSpPr>
             <p:spPr>
               <a:xfrm>
-                <a:off x="2295530" y="609600"/>
-                <a:ext cx="1057275" cy="792182"/>
+                <a:off x="2295531" y="459420"/>
+                <a:ext cx="1285870" cy="792182"/>
               </a:xfrm>
               <a:prstGeom prst="flowChartDecision">
                 <a:avLst/>
@@ -3294,14 +3294,14 @@
                       <m:sSub>
                         <m:sSubPr>
                           <m:ctrlPr>
-                            <a:rPr lang="en-US" sz="800" i="1">
+                            <a:rPr lang="en-US" sz="1000" i="1">
                               <a:latin typeface="Cambria Math"/>
                             </a:rPr>
                           </m:ctrlPr>
                         </m:sSubPr>
                         <m:e>
                           <m:r>
-                            <a:rPr lang="en-US" sz="800" i="1">
+                            <a:rPr lang="en-US" sz="1000" i="1">
                               <a:latin typeface="Cambria Math"/>
                             </a:rPr>
                             <m:t>𝑁</m:t>
@@ -3309,7 +3309,7 @@
                         </m:e>
                         <m:sub>
                           <m:r>
-                            <a:rPr lang="en-US" sz="800" i="1">
+                            <a:rPr lang="en-US" sz="1000" i="1">
                               <a:latin typeface="Cambria Math"/>
                             </a:rPr>
                             <m:t>𝑅</m:t>
@@ -3317,7 +3317,7 @@
                         </m:sub>
                       </m:sSub>
                       <m:r>
-                        <a:rPr lang="en-US" sz="800" i="1">
+                        <a:rPr lang="en-US" sz="1000" i="1">
                           <a:latin typeface="Cambria Math"/>
                         </a:rPr>
                         <m:t>&gt;1</m:t>
@@ -3325,7 +3325,7 @@
                     </m:oMath>
                   </m:oMathPara>
                 </a14:m>
-                <a:endParaRPr lang="en-US" sz="800" dirty="0"/>
+                <a:endParaRPr lang="en-US" sz="1000" dirty="0"/>
               </a:p>
               <a:p>
                 <a:pPr algn="ctr"/>
@@ -3336,13 +3336,13 @@
                     </m:oMathParaPr>
                     <m:oMath xmlns:m="http://schemas.openxmlformats.org/officeDocument/2006/math">
                       <m:r>
-                        <a:rPr lang="en-US" sz="800" i="1">
+                        <a:rPr lang="en-US" sz="1000" i="1">
                           <a:latin typeface="Cambria Math"/>
                         </a:rPr>
                         <m:t>𝐴</m:t>
                       </m:r>
                       <m:r>
-                        <a:rPr lang="en-US" sz="800" i="1">
+                        <a:rPr lang="en-US" sz="1000" i="1">
                           <a:latin typeface="Cambria Math"/>
                         </a:rPr>
                         <m:t>=</m:t>
@@ -3352,14 +3352,14 @@
                           <m:begChr m:val="{"/>
                           <m:endChr m:val="}"/>
                           <m:ctrlPr>
-                            <a:rPr lang="en-US" sz="800" i="1">
+                            <a:rPr lang="en-US" sz="1000" i="1">
                               <a:latin typeface="Cambria Math"/>
                             </a:rPr>
                           </m:ctrlPr>
                         </m:dPr>
                         <m:e>
                           <m:r>
-                            <a:rPr lang="en-US" sz="800" i="1">
+                            <a:rPr lang="en-US" sz="1000" i="1">
                               <a:latin typeface="Cambria Math"/>
                               <a:ea typeface="Cambria Math"/>
                             </a:rPr>
@@ -3370,12 +3370,12 @@
                     </m:oMath>
                   </m:oMathPara>
                 </a14:m>
-                <a:endParaRPr lang="en-US" sz="800" dirty="0"/>
+                <a:endParaRPr lang="en-US" sz="1000" dirty="0"/>
               </a:p>
             </p:txBody>
           </p:sp>
         </mc:Choice>
-        <mc:Fallback xmlns="">
+        <mc:Fallback>
           <p:sp>
             <p:nvSpPr>
               <p:cNvPr id="5" name="Flowchart: Decision 4"/>
@@ -3386,8 +3386,8 @@
             </p:nvSpPr>
             <p:spPr>
               <a:xfrm>
-                <a:off x="2295530" y="609600"/>
-                <a:ext cx="1057275" cy="792182"/>
+                <a:off x="2295531" y="459420"/>
+                <a:ext cx="1285870" cy="792182"/>
               </a:xfrm>
               <a:prstGeom prst="flowChartDecision">
                 <a:avLst/>
@@ -3414,8 +3414,8 @@
           </p:sp>
         </mc:Fallback>
       </mc:AlternateContent>
-      <mc:AlternateContent xmlns:mc="http://schemas.openxmlformats.org/markup-compatibility/2006" xmlns:a14="http://schemas.microsoft.com/office/drawing/2010/main">
-        <mc:Choice Requires="a14">
+      <mc:AlternateContent xmlns:mc="http://schemas.openxmlformats.org/markup-compatibility/2006">
+        <mc:Choice xmlns:a14="http://schemas.microsoft.com/office/drawing/2010/main" Requires="a14">
           <p:sp>
             <p:nvSpPr>
               <p:cNvPr id="7" name="Rectangle 6"/>
@@ -3424,7 +3424,7 @@
             </p:nvSpPr>
             <p:spPr>
               <a:xfrm>
-                <a:off x="1133479" y="1882179"/>
+                <a:off x="1133479" y="1410715"/>
                 <a:ext cx="914400" cy="357663"/>
               </a:xfrm>
               <a:prstGeom prst="rect">
@@ -3457,37 +3457,37 @@
                     </m:oMathParaPr>
                     <m:oMath xmlns:m="http://schemas.openxmlformats.org/officeDocument/2006/math">
                       <m:r>
-                        <a:rPr lang="en-US" sz="900" b="1" i="1">
+                        <a:rPr lang="en-US" sz="1000" b="1" i="1">
                           <a:latin typeface="Cambria Math"/>
                         </a:rPr>
                         <m:t>𝑯</m:t>
                       </m:r>
                       <m:r>
-                        <a:rPr lang="en-US" sz="900" i="1">
+                        <a:rPr lang="en-US" sz="1000" i="1">
                           <a:latin typeface="Cambria Math"/>
                         </a:rPr>
                         <m:t>=</m:t>
                       </m:r>
                       <m:r>
-                        <a:rPr lang="en-US" sz="900" b="1" i="1">
+                        <a:rPr lang="en-US" sz="1000" b="1" i="1">
                           <a:latin typeface="Cambria Math"/>
                         </a:rPr>
                         <m:t>𝑼</m:t>
                       </m:r>
                       <m:r>
-                        <a:rPr lang="en-US" sz="900" i="1">
+                        <a:rPr lang="en-US" sz="1000" i="1">
                           <a:latin typeface="Cambria Math"/>
                         </a:rPr>
                         <m:t> </m:t>
                       </m:r>
                       <m:r>
-                        <a:rPr lang="en-US" sz="900" b="1" i="1">
+                        <a:rPr lang="en-US" sz="1000" b="1" i="1">
                           <a:latin typeface="Cambria Math"/>
                         </a:rPr>
                         <m:t>𝑫</m:t>
                       </m:r>
                       <m:r>
-                        <a:rPr lang="en-US" sz="900" i="1">
+                        <a:rPr lang="en-US" sz="1000" i="1">
                           <a:latin typeface="Cambria Math"/>
                         </a:rPr>
                         <m:t> </m:t>
@@ -3495,14 +3495,14 @@
                       <m:sSup>
                         <m:sSupPr>
                           <m:ctrlPr>
-                            <a:rPr lang="en-US" sz="900" b="1" i="1">
+                            <a:rPr lang="en-US" sz="1000" b="1" i="1">
                               <a:latin typeface="Cambria Math"/>
                             </a:rPr>
                           </m:ctrlPr>
                         </m:sSupPr>
                         <m:e>
                           <m:r>
-                            <a:rPr lang="en-US" sz="900" b="1" i="1">
+                            <a:rPr lang="en-US" sz="1000" b="1" i="1">
                               <a:latin typeface="Cambria Math"/>
                             </a:rPr>
                             <m:t>𝑽</m:t>
@@ -3510,7 +3510,7 @@
                         </m:e>
                         <m:sup>
                           <m:r>
-                            <a:rPr lang="en-US" sz="900" b="1">
+                            <a:rPr lang="en-US" sz="1000" b="1">
                               <a:latin typeface="Cambria Math"/>
                             </a:rPr>
                             <m:t>𝐇</m:t>
@@ -3520,12 +3520,12 @@
                     </m:oMath>
                   </m:oMathPara>
                 </a14:m>
-                <a:endParaRPr lang="en-US" sz="900" b="1" dirty="0"/>
+                <a:endParaRPr lang="en-US" sz="1000" b="1" dirty="0"/>
               </a:p>
             </p:txBody>
           </p:sp>
         </mc:Choice>
-        <mc:Fallback xmlns="">
+        <mc:Fallback>
           <p:sp>
             <p:nvSpPr>
               <p:cNvPr id="7" name="Rectangle 6"/>
@@ -3536,7 +3536,7 @@
             </p:nvSpPr>
             <p:spPr>
               <a:xfrm>
-                <a:off x="1133479" y="1882179"/>
+                <a:off x="1133479" y="1410715"/>
                 <a:ext cx="914400" cy="357663"/>
               </a:xfrm>
               <a:prstGeom prst="rect">
@@ -3564,8 +3564,8 @@
           </p:sp>
         </mc:Fallback>
       </mc:AlternateContent>
-      <mc:AlternateContent xmlns:mc="http://schemas.openxmlformats.org/markup-compatibility/2006" xmlns:a14="http://schemas.microsoft.com/office/drawing/2010/main">
-        <mc:Choice Requires="a14">
+      <mc:AlternateContent xmlns:mc="http://schemas.openxmlformats.org/markup-compatibility/2006">
+        <mc:Choice xmlns:a14="http://schemas.microsoft.com/office/drawing/2010/main" Requires="a14">
           <p:sp>
             <p:nvSpPr>
               <p:cNvPr id="8" name="Rectangle 7"/>
@@ -3574,7 +3574,7 @@
             </p:nvSpPr>
             <p:spPr>
               <a:xfrm>
-                <a:off x="4177510" y="2468582"/>
+                <a:off x="4583713" y="1996983"/>
                 <a:ext cx="1150937" cy="476121"/>
               </a:xfrm>
               <a:prstGeom prst="rect">
@@ -3610,14 +3610,14 @@
                         <m:accPr>
                           <m:chr m:val="̅"/>
                           <m:ctrlPr>
-                            <a:rPr lang="en-US" sz="900" i="1">
+                            <a:rPr lang="en-US" sz="1000" i="1">
                               <a:latin typeface="Cambria Math"/>
                             </a:rPr>
                           </m:ctrlPr>
                         </m:accPr>
                         <m:e>
                           <m:r>
-                            <a:rPr lang="en-US" sz="900" i="1">
+                            <a:rPr lang="en-US" sz="1000" i="1">
                               <a:latin typeface="Cambria Math"/>
                             </a:rPr>
                             <m:t>𝑢</m:t>
@@ -3625,7 +3625,7 @@
                         </m:e>
                       </m:acc>
                       <m:r>
-                        <a:rPr lang="en-US" sz="900" i="1">
+                        <a:rPr lang="en-US" sz="1000" i="1">
                           <a:latin typeface="Cambria Math"/>
                         </a:rPr>
                         <m:t>= </m:t>
@@ -3633,7 +3633,7 @@
                       <m:func>
                         <m:funcPr>
                           <m:ctrlPr>
-                            <a:rPr lang="en-US" sz="900" i="1">
+                            <a:rPr lang="en-US" sz="1000" i="1">
                               <a:latin typeface="Cambria Math"/>
                             </a:rPr>
                           </m:ctrlPr>
@@ -3642,7 +3642,7 @@
                           <m:limLow>
                             <m:limLowPr>
                               <m:ctrlPr>
-                                <a:rPr lang="en-US" sz="900" i="1">
+                                <a:rPr lang="en-US" sz="1000" i="1">
                                   <a:latin typeface="Cambria Math"/>
                                 </a:rPr>
                               </m:ctrlPr>
@@ -3652,7 +3652,7 @@
                                 <m:rPr>
                                   <m:sty m:val="p"/>
                                 </m:rPr>
-                                <a:rPr lang="en-US" sz="900">
+                                <a:rPr lang="en-US" sz="1000">
                                   <a:latin typeface="Cambria Math"/>
                                 </a:rPr>
                                 <m:t>max</m:t>
@@ -3660,27 +3660,27 @@
                             </m:e>
                             <m:lim>
                               <m:r>
-                                <a:rPr lang="en-US" sz="900" i="1">
+                                <a:rPr lang="en-US" sz="1000" i="1">
                                   <a:latin typeface="Cambria Math"/>
                                 </a:rPr>
                                 <m:t>𝑖</m:t>
                               </m:r>
                               <m:r>
-                                <a:rPr lang="en-US" sz="900" i="1">
+                                <a:rPr lang="en-US" sz="1000" i="1">
                                   <a:latin typeface="Cambria Math"/>
                                   <a:ea typeface="Cambria Math"/>
                                 </a:rPr>
                                 <m:t>∈</m:t>
                               </m:r>
                               <m:r>
-                                <a:rPr lang="en-US" sz="900" i="1">
+                                <a:rPr lang="en-US" sz="1000" i="1">
                                   <a:latin typeface="Cambria Math"/>
                                   <a:ea typeface="Cambria Math"/>
                                 </a:rPr>
                                 <m:t>𝑈</m:t>
                               </m:r>
                               <m:r>
-                                <a:rPr lang="en-US" sz="900" i="1">
+                                <a:rPr lang="en-US" sz="1000" i="1">
                                   <a:latin typeface="Cambria Math"/>
                                   <a:ea typeface="Cambria Math"/>
                                 </a:rPr>
@@ -3690,7 +3690,7 @@
                                 <m:rPr>
                                   <m:sty m:val="p"/>
                                 </m:rPr>
-                                <a:rPr lang="en-US" sz="900" i="1">
+                                <a:rPr lang="en-US" sz="1000" i="1">
                                   <a:latin typeface="Cambria Math"/>
                                   <a:ea typeface="Cambria Math"/>
                                 </a:rPr>
@@ -3705,7 +3705,7 @@
                               <m:begChr m:val="‖"/>
                               <m:endChr m:val="‖"/>
                               <m:ctrlPr>
-                                <a:rPr lang="en-US" sz="900" i="1">
+                                <a:rPr lang="en-US" sz="1000" i="1">
                                   <a:latin typeface="Cambria Math"/>
                                 </a:rPr>
                               </m:ctrlPr>
@@ -3714,14 +3714,14 @@
                               <m:sSub>
                                 <m:sSubPr>
                                   <m:ctrlPr>
-                                    <a:rPr lang="en-US" sz="900" i="1">
+                                    <a:rPr lang="en-US" sz="1000" i="1">
                                       <a:latin typeface="Cambria Math"/>
                                     </a:rPr>
                                   </m:ctrlPr>
                                 </m:sSubPr>
                                 <m:e>
                                   <m:r>
-                                    <a:rPr lang="en-US" sz="900" b="1" i="1">
+                                    <a:rPr lang="en-US" sz="1000" b="1" i="1">
                                       <a:latin typeface="Cambria Math"/>
                                     </a:rPr>
                                     <m:t>𝒉</m:t>
@@ -3729,7 +3729,7 @@
                                 </m:e>
                                 <m:sub>
                                   <m:r>
-                                    <a:rPr lang="en-US" sz="900" i="1">
+                                    <a:rPr lang="en-US" sz="1000" i="1">
                                       <a:latin typeface="Cambria Math"/>
                                     </a:rPr>
                                     <m:t>𝑖</m:t>
@@ -3743,12 +3743,12 @@
                     </m:oMath>
                   </m:oMathPara>
                 </a14:m>
-                <a:endParaRPr lang="en-US" sz="900" dirty="0"/>
+                <a:endParaRPr lang="en-US" sz="1000" dirty="0"/>
               </a:p>
             </p:txBody>
           </p:sp>
         </mc:Choice>
-        <mc:Fallback xmlns="">
+        <mc:Fallback>
           <p:sp>
             <p:nvSpPr>
               <p:cNvPr id="8" name="Rectangle 7"/>
@@ -3759,7 +3759,7 @@
             </p:nvSpPr>
             <p:spPr>
               <a:xfrm>
-                <a:off x="4177510" y="2468582"/>
+                <a:off x="4583713" y="1996983"/>
                 <a:ext cx="1150937" cy="476121"/>
               </a:xfrm>
               <a:prstGeom prst="rect">
@@ -3787,8 +3787,8 @@
           </p:sp>
         </mc:Fallback>
       </mc:AlternateContent>
-      <mc:AlternateContent xmlns:mc="http://schemas.openxmlformats.org/markup-compatibility/2006" xmlns:a14="http://schemas.microsoft.com/office/drawing/2010/main">
-        <mc:Choice Requires="a14">
+      <mc:AlternateContent xmlns:mc="http://schemas.openxmlformats.org/markup-compatibility/2006">
+        <mc:Choice xmlns:a14="http://schemas.microsoft.com/office/drawing/2010/main" Requires="a14">
           <p:sp>
             <p:nvSpPr>
               <p:cNvPr id="9" name="Rectangle 8"/>
@@ -3797,7 +3797,7 @@
             </p:nvSpPr>
             <p:spPr>
               <a:xfrm>
-                <a:off x="433391" y="1895938"/>
+                <a:off x="433393" y="1424475"/>
                 <a:ext cx="404813" cy="330145"/>
               </a:xfrm>
               <a:prstGeom prst="rect">
@@ -3833,7 +3833,7 @@
                         <m:rPr>
                           <m:sty m:val="p"/>
                         </m:rPr>
-                        <a:rPr lang="en-US" sz="800">
+                        <a:rPr lang="en-US" sz="1000">
                           <a:latin typeface="Cambria Math"/>
                         </a:rPr>
                         <m:t>QR</m:t>
@@ -3841,12 +3841,12 @@
                     </m:oMath>
                   </m:oMathPara>
                 </a14:m>
-                <a:endParaRPr lang="en-US" sz="800" dirty="0"/>
+                <a:endParaRPr lang="en-US" sz="1000" dirty="0"/>
               </a:p>
             </p:txBody>
           </p:sp>
         </mc:Choice>
-        <mc:Fallback xmlns="">
+        <mc:Fallback>
           <p:sp>
             <p:nvSpPr>
               <p:cNvPr id="9" name="Rectangle 8"/>
@@ -3857,7 +3857,7 @@
             </p:nvSpPr>
             <p:spPr>
               <a:xfrm>
-                <a:off x="433391" y="1895938"/>
+                <a:off x="433393" y="1424475"/>
                 <a:ext cx="404813" cy="330145"/>
               </a:xfrm>
               <a:prstGeom prst="rect">
@@ -3896,8 +3896,8 @@
         </p:nvCxnSpPr>
         <p:spPr>
           <a:xfrm rot="10800000" flipV="1">
-            <a:off x="1590677" y="1005690"/>
-            <a:ext cx="704850" cy="876488"/>
+            <a:off x="1590679" y="855512"/>
+            <a:ext cx="704852" cy="555204"/>
           </a:xfrm>
           <a:prstGeom prst="bentConnector2">
             <a:avLst/>
@@ -3932,7 +3932,7 @@
         </p:nvCxnSpPr>
         <p:spPr>
           <a:xfrm flipH="1">
-            <a:off x="838202" y="2061010"/>
+            <a:off x="838206" y="1589546"/>
             <a:ext cx="295275" cy="0"/>
           </a:xfrm>
           <a:prstGeom prst="straightConnector1">
@@ -3958,8 +3958,8 @@
           </a:fontRef>
         </p:style>
       </p:cxnSp>
-      <mc:AlternateContent xmlns:mc="http://schemas.openxmlformats.org/markup-compatibility/2006" xmlns:a14="http://schemas.microsoft.com/office/drawing/2010/main">
-        <mc:Choice Requires="a14">
+      <mc:AlternateContent xmlns:mc="http://schemas.openxmlformats.org/markup-compatibility/2006">
+        <mc:Choice xmlns:a14="http://schemas.microsoft.com/office/drawing/2010/main" Requires="a14">
           <p:sp>
             <p:nvSpPr>
               <p:cNvPr id="17" name="TextBox 16"/>
@@ -3968,8 +3968,8 @@
             </p:nvSpPr>
             <p:spPr>
               <a:xfrm>
-                <a:off x="3533776" y="1766864"/>
-                <a:ext cx="952499" cy="278910"/>
+                <a:off x="3533778" y="1260905"/>
+                <a:ext cx="952499" cy="306197"/>
               </a:xfrm>
               <a:prstGeom prst="rect">
                 <a:avLst/>
@@ -3990,13 +3990,13 @@
                     </m:oMathParaPr>
                     <m:oMath xmlns:m="http://schemas.openxmlformats.org/officeDocument/2006/math">
                       <m:r>
-                        <a:rPr lang="en-US" sz="900" b="1" i="1">
+                        <a:rPr lang="en-US" sz="1000" b="1" i="1">
                           <a:latin typeface="Cambria Math"/>
                         </a:rPr>
                         <m:t>𝒉</m:t>
                       </m:r>
                       <m:r>
-                        <a:rPr lang="en-US" sz="900" b="1" i="1">
+                        <a:rPr lang="en-US" sz="1000" b="1" i="1">
                           <a:latin typeface="Cambria Math"/>
                         </a:rPr>
                         <m:t>=</m:t>
@@ -4004,7 +4004,7 @@
                       <m:sSup>
                         <m:sSupPr>
                           <m:ctrlPr>
-                            <a:rPr lang="en-US" sz="900" b="1" i="1">
+                            <a:rPr lang="en-US" sz="1000" b="1" i="1">
                               <a:latin typeface="Cambria Math"/>
                             </a:rPr>
                           </m:ctrlPr>
@@ -4013,7 +4013,7 @@
                           <m:d>
                             <m:dPr>
                               <m:ctrlPr>
-                                <a:rPr lang="en-US" sz="900" b="1" i="1">
+                                <a:rPr lang="en-US" sz="1000" b="1" i="1">
                                   <a:latin typeface="Cambria Math"/>
                                 </a:rPr>
                               </m:ctrlPr>
@@ -4022,14 +4022,14 @@
                               <m:sSup>
                                 <m:sSupPr>
                                   <m:ctrlPr>
-                                    <a:rPr lang="en-US" sz="900" b="1" i="1">
+                                    <a:rPr lang="en-US" sz="1000" b="1" i="1">
                                       <a:latin typeface="Cambria Math"/>
                                     </a:rPr>
                                   </m:ctrlPr>
                                 </m:sSupPr>
                                 <m:e>
                                   <m:r>
-                                    <a:rPr lang="en-US" sz="900" b="1" i="1">
+                                    <a:rPr lang="en-US" sz="1000" b="1" i="1">
                                       <a:latin typeface="Cambria Math"/>
                                     </a:rPr>
                                     <m:t>𝑼</m:t>
@@ -4037,7 +4037,7 @@
                                 </m:e>
                                 <m:sup>
                                   <m:r>
-                                    <a:rPr lang="en-US" sz="900" b="1">
+                                    <a:rPr lang="en-US" sz="1000" b="1">
                                       <a:latin typeface="Cambria Math"/>
                                     </a:rPr>
                                     <m:t>𝐇</m:t>
@@ -4045,7 +4045,7 @@
                                 </m:sup>
                               </m:sSup>
                               <m:r>
-                                <a:rPr lang="en-US" sz="900" b="1" i="1">
+                                <a:rPr lang="en-US" sz="1000" b="1" i="1">
                                   <a:latin typeface="Cambria Math"/>
                                 </a:rPr>
                                 <m:t>𝑯</m:t>
@@ -4055,7 +4055,7 @@
                         </m:e>
                         <m:sup>
                           <m:r>
-                            <a:rPr lang="en-US" sz="900" b="1">
+                            <a:rPr lang="en-US" sz="1000" b="1">
                               <a:latin typeface="Cambria Math"/>
                             </a:rPr>
                             <m:t>𝐓</m:t>
@@ -4065,12 +4065,12 @@
                     </m:oMath>
                   </m:oMathPara>
                 </a14:m>
-                <a:endParaRPr lang="en-US" sz="800" b="1" dirty="0"/>
+                <a:endParaRPr lang="en-US" sz="900" b="1" dirty="0"/>
               </a:p>
             </p:txBody>
           </p:sp>
         </mc:Choice>
-        <mc:Fallback xmlns="">
+        <mc:Fallback>
           <p:sp>
             <p:nvSpPr>
               <p:cNvPr id="17" name="TextBox 16"/>
@@ -4081,8 +4081,8 @@
             </p:nvSpPr>
             <p:spPr>
               <a:xfrm>
-                <a:off x="3533776" y="1766864"/>
-                <a:ext cx="952499" cy="278910"/>
+                <a:off x="3533778" y="1260905"/>
+                <a:ext cx="952499" cy="306197"/>
               </a:xfrm>
               <a:prstGeom prst="rect">
                 <a:avLst/>
@@ -4120,8 +4120,8 @@
         </p:nvCxnSpPr>
         <p:spPr>
           <a:xfrm>
-            <a:off x="2047879" y="2061010"/>
-            <a:ext cx="2705099" cy="407570"/>
+            <a:off x="2047881" y="1589548"/>
+            <a:ext cx="3111301" cy="407435"/>
           </a:xfrm>
           <a:prstGeom prst="bentConnector2">
             <a:avLst/>
@@ -4156,12 +4156,12 @@
         </p:nvCxnSpPr>
         <p:spPr>
           <a:xfrm>
-            <a:off x="3352801" y="1005692"/>
-            <a:ext cx="1975642" cy="1700951"/>
+            <a:off x="3581403" y="855512"/>
+            <a:ext cx="2153247" cy="1379532"/>
           </a:xfrm>
           <a:prstGeom prst="bentConnector3">
             <a:avLst>
-              <a:gd name="adj1" fmla="val 140820"/>
+              <a:gd name="adj1" fmla="val 110617"/>
             </a:avLst>
           </a:prstGeom>
           <a:ln>
@@ -4183,8 +4183,8 @@
           </a:fontRef>
         </p:style>
       </p:cxnSp>
-      <mc:AlternateContent xmlns:mc="http://schemas.openxmlformats.org/markup-compatibility/2006" xmlns:a14="http://schemas.microsoft.com/office/drawing/2010/main">
-        <mc:Choice Requires="a14">
+      <mc:AlternateContent xmlns:mc="http://schemas.openxmlformats.org/markup-compatibility/2006">
+        <mc:Choice xmlns:a14="http://schemas.microsoft.com/office/drawing/2010/main" Requires="a14">
           <p:sp>
             <p:nvSpPr>
               <p:cNvPr id="35" name="Rectangle 34"/>
@@ -4193,7 +4193,7 @@
             </p:nvSpPr>
             <p:spPr>
               <a:xfrm>
-                <a:off x="3124205" y="2537122"/>
+                <a:off x="3124205" y="2061001"/>
                 <a:ext cx="514350" cy="339040"/>
               </a:xfrm>
               <a:prstGeom prst="rect">
@@ -4229,7 +4229,7 @@
                         <m:rPr>
                           <m:sty m:val="p"/>
                         </m:rPr>
-                        <a:rPr lang="en-US" sz="800">
+                        <a:rPr lang="en-US" sz="1000">
                           <a:latin typeface="Cambria Math"/>
                         </a:rPr>
                         <m:t>Norm</m:t>
@@ -4237,12 +4237,12 @@
                     </m:oMath>
                   </m:oMathPara>
                 </a14:m>
-                <a:endParaRPr lang="en-US" sz="800" dirty="0"/>
+                <a:endParaRPr lang="en-US" sz="1000" dirty="0"/>
               </a:p>
             </p:txBody>
           </p:sp>
         </mc:Choice>
-        <mc:Fallback xmlns="">
+        <mc:Fallback>
           <p:sp>
             <p:nvSpPr>
               <p:cNvPr id="35" name="Rectangle 34"/>
@@ -4253,7 +4253,7 @@
             </p:nvSpPr>
             <p:spPr>
               <a:xfrm>
-                <a:off x="3124205" y="2537122"/>
+                <a:off x="3124205" y="2061001"/>
                 <a:ext cx="514350" cy="339040"/>
               </a:xfrm>
               <a:prstGeom prst="rect">
@@ -4281,8 +4281,8 @@
           </p:sp>
         </mc:Fallback>
       </mc:AlternateContent>
-      <mc:AlternateContent xmlns:mc="http://schemas.openxmlformats.org/markup-compatibility/2006" xmlns:a14="http://schemas.microsoft.com/office/drawing/2010/main">
-        <mc:Choice Requires="a14">
+      <mc:AlternateContent xmlns:mc="http://schemas.openxmlformats.org/markup-compatibility/2006">
+        <mc:Choice xmlns:a14="http://schemas.microsoft.com/office/drawing/2010/main" Requires="a14">
           <p:sp>
             <p:nvSpPr>
               <p:cNvPr id="39" name="TextBox 38"/>
@@ -4291,8 +4291,8 @@
             </p:nvSpPr>
             <p:spPr>
               <a:xfrm>
-                <a:off x="4585498" y="1062564"/>
-                <a:ext cx="742949" cy="233321"/>
+                <a:off x="4583713" y="589298"/>
+                <a:ext cx="742949" cy="254364"/>
               </a:xfrm>
               <a:prstGeom prst="rect">
                 <a:avLst/>
@@ -4313,13 +4313,13 @@
                     </m:oMathParaPr>
                     <m:oMath xmlns:m="http://schemas.openxmlformats.org/officeDocument/2006/math">
                       <m:r>
-                        <a:rPr lang="en-US" sz="900" b="1" i="1">
+                        <a:rPr lang="en-US" sz="1000" b="1" i="1">
                           <a:latin typeface="Cambria Math"/>
                         </a:rPr>
                         <m:t>𝒉</m:t>
                       </m:r>
                       <m:r>
-                        <a:rPr lang="en-US" sz="900" b="1" i="1">
+                        <a:rPr lang="en-US" sz="1000" b="1" i="1">
                           <a:latin typeface="Cambria Math"/>
                         </a:rPr>
                         <m:t>=</m:t>
@@ -4327,14 +4327,14 @@
                       <m:sSup>
                         <m:sSupPr>
                           <m:ctrlPr>
-                            <a:rPr lang="en-US" sz="900" b="1" i="1">
+                            <a:rPr lang="en-US" sz="1000" b="1" i="1">
                               <a:latin typeface="Cambria Math"/>
                             </a:rPr>
                           </m:ctrlPr>
                         </m:sSupPr>
                         <m:e>
                           <m:r>
-                            <a:rPr lang="en-US" sz="900" b="1" i="1">
+                            <a:rPr lang="en-US" sz="1000" b="1" i="1">
                               <a:latin typeface="Cambria Math"/>
                             </a:rPr>
                             <m:t>𝒉</m:t>
@@ -4342,7 +4342,7 @@
                         </m:e>
                         <m:sup>
                           <m:r>
-                            <a:rPr lang="en-US" sz="900" b="1">
+                            <a:rPr lang="en-US" sz="1000" b="1">
                               <a:latin typeface="Cambria Math"/>
                             </a:rPr>
                             <m:t>𝐓</m:t>
@@ -4352,12 +4352,12 @@
                     </m:oMath>
                   </m:oMathPara>
                 </a14:m>
-                <a:endParaRPr lang="en-US" sz="800" b="1" dirty="0"/>
+                <a:endParaRPr lang="en-US" sz="900" b="1" dirty="0"/>
               </a:p>
             </p:txBody>
           </p:sp>
         </mc:Choice>
-        <mc:Fallback xmlns="">
+        <mc:Fallback>
           <p:sp>
             <p:nvSpPr>
               <p:cNvPr id="39" name="TextBox 38"/>
@@ -4368,8 +4368,8 @@
             </p:nvSpPr>
             <p:spPr>
               <a:xfrm>
-                <a:off x="4585498" y="1062564"/>
-                <a:ext cx="742949" cy="233321"/>
+                <a:off x="4583713" y="589298"/>
+                <a:ext cx="742949" cy="254364"/>
               </a:xfrm>
               <a:prstGeom prst="rect">
                 <a:avLst/>
@@ -4407,8 +4407,8 @@
         </p:nvCxnSpPr>
         <p:spPr>
           <a:xfrm>
-            <a:off x="3638552" y="2706640"/>
-            <a:ext cx="538955" cy="0"/>
+            <a:off x="3638555" y="2230522"/>
+            <a:ext cx="945156" cy="4522"/>
           </a:xfrm>
           <a:prstGeom prst="straightConnector1">
             <a:avLst/>
@@ -4433,8 +4433,8 @@
           </a:fontRef>
         </p:style>
       </p:cxnSp>
-      <mc:AlternateContent xmlns:mc="http://schemas.openxmlformats.org/markup-compatibility/2006" xmlns:a14="http://schemas.microsoft.com/office/drawing/2010/main">
-        <mc:Choice Requires="a14">
+      <mc:AlternateContent xmlns:mc="http://schemas.openxmlformats.org/markup-compatibility/2006">
+        <mc:Choice xmlns:a14="http://schemas.microsoft.com/office/drawing/2010/main" Requires="a14">
           <p:sp>
             <p:nvSpPr>
               <p:cNvPr id="42" name="Rectangle 41"/>
@@ -4443,7 +4443,7 @@
             </p:nvSpPr>
             <p:spPr>
               <a:xfrm>
-                <a:off x="3377410" y="3449159"/>
+                <a:off x="4041481" y="2931274"/>
                 <a:ext cx="800100" cy="381001"/>
               </a:xfrm>
               <a:prstGeom prst="rect">
@@ -4476,13 +4476,13 @@
                     </m:oMathParaPr>
                     <m:oMath xmlns:m="http://schemas.openxmlformats.org/officeDocument/2006/math">
                       <m:r>
-                        <a:rPr lang="en-US" sz="900" i="1">
+                        <a:rPr lang="en-US" sz="1000" i="1">
                           <a:latin typeface="Cambria Math"/>
                         </a:rPr>
                         <m:t>𝐴</m:t>
                       </m:r>
                       <m:r>
-                        <a:rPr lang="en-US" sz="900" i="1">
+                        <a:rPr lang="en-US" sz="1000" i="1">
                           <a:latin typeface="Cambria Math"/>
                         </a:rPr>
                         <m:t>= </m:t>
@@ -4492,20 +4492,20 @@
                           <m:begChr m:val="{"/>
                           <m:endChr m:val="}"/>
                           <m:ctrlPr>
-                            <a:rPr lang="en-US" sz="900" i="1">
+                            <a:rPr lang="en-US" sz="1000" i="1">
                               <a:latin typeface="Cambria Math"/>
                             </a:rPr>
                           </m:ctrlPr>
                         </m:dPr>
                         <m:e>
                           <m:r>
-                            <a:rPr lang="en-US" sz="900" i="1">
+                            <a:rPr lang="en-US" sz="1000" i="1">
                               <a:latin typeface="Cambria Math"/>
                             </a:rPr>
                             <m:t>𝐴</m:t>
                           </m:r>
                           <m:r>
-                            <a:rPr lang="en-US" sz="900" i="1">
+                            <a:rPr lang="en-US" sz="1000" i="1">
                               <a:latin typeface="Cambria Math"/>
                             </a:rPr>
                             <m:t>,</m:t>
@@ -4514,14 +4514,14 @@
                             <m:accPr>
                               <m:chr m:val="̅"/>
                               <m:ctrlPr>
-                                <a:rPr lang="en-US" sz="900" i="1">
+                                <a:rPr lang="en-US" sz="1000" i="1">
                                   <a:latin typeface="Cambria Math"/>
                                 </a:rPr>
                               </m:ctrlPr>
                             </m:accPr>
                             <m:e>
                               <m:r>
-                                <a:rPr lang="en-US" sz="900" i="1">
+                                <a:rPr lang="en-US" sz="1000" i="1">
                                   <a:latin typeface="Cambria Math"/>
                                 </a:rPr>
                                 <m:t>𝑢</m:t>
@@ -4533,12 +4533,12 @@
                     </m:oMath>
                   </m:oMathPara>
                 </a14:m>
-                <a:endParaRPr lang="en-US" sz="900" dirty="0"/>
+                <a:endParaRPr lang="en-US" sz="1000" dirty="0"/>
               </a:p>
             </p:txBody>
           </p:sp>
         </mc:Choice>
-        <mc:Fallback xmlns="">
+        <mc:Fallback>
           <p:sp>
             <p:nvSpPr>
               <p:cNvPr id="42" name="Rectangle 41"/>
@@ -4549,7 +4549,7 @@
             </p:nvSpPr>
             <p:spPr>
               <a:xfrm>
-                <a:off x="3377410" y="3449159"/>
+                <a:off x="4041481" y="2931274"/>
                 <a:ext cx="800100" cy="381001"/>
               </a:xfrm>
               <a:prstGeom prst="rect">
@@ -4577,8 +4577,8 @@
           </p:sp>
         </mc:Fallback>
       </mc:AlternateContent>
-      <mc:AlternateContent xmlns:mc="http://schemas.openxmlformats.org/markup-compatibility/2006" xmlns:a14="http://schemas.microsoft.com/office/drawing/2010/main">
-        <mc:Choice Requires="a14">
+      <mc:AlternateContent xmlns:mc="http://schemas.openxmlformats.org/markup-compatibility/2006">
+        <mc:Choice xmlns:a14="http://schemas.microsoft.com/office/drawing/2010/main" Requires="a14">
           <p:sp>
             <p:nvSpPr>
               <p:cNvPr id="43" name="Flowchart: Decision 42"/>
@@ -4587,8 +4587,8 @@
             </p:nvSpPr>
             <p:spPr>
               <a:xfrm>
-                <a:off x="457205" y="2919171"/>
-                <a:ext cx="1190625" cy="624287"/>
+                <a:off x="240907" y="2218930"/>
+                <a:ext cx="1461496" cy="720488"/>
               </a:xfrm>
               <a:prstGeom prst="flowChartDecision">
                 <a:avLst/>
@@ -4624,14 +4624,14 @@
                           <m:begChr m:val="|"/>
                           <m:endChr m:val="|"/>
                           <m:ctrlPr>
-                            <a:rPr lang="en-US" sz="800" i="1">
+                            <a:rPr lang="en-US" sz="1000" i="1">
                               <a:latin typeface="Cambria Math"/>
                             </a:rPr>
                           </m:ctrlPr>
                         </m:dPr>
                         <m:e>
                           <m:r>
-                            <a:rPr lang="en-US" sz="800" i="1">
+                            <a:rPr lang="en-US" sz="1000" i="1">
                               <a:latin typeface="Cambria Math"/>
                             </a:rPr>
                             <m:t>𝐴</m:t>
@@ -4639,7 +4639,7 @@
                         </m:e>
                       </m:d>
                       <m:r>
-                        <a:rPr lang="en-US" sz="800" i="1">
+                        <a:rPr lang="en-US" sz="1000" i="1">
                           <a:latin typeface="Cambria Math"/>
                         </a:rPr>
                         <m:t>= </m:t>
@@ -4647,14 +4647,14 @@
                       <m:sSub>
                         <m:sSubPr>
                           <m:ctrlPr>
-                            <a:rPr lang="en-US" sz="800" i="1">
+                            <a:rPr lang="en-US" sz="1000" i="1">
                               <a:latin typeface="Cambria Math"/>
                             </a:rPr>
                           </m:ctrlPr>
                         </m:sSubPr>
                         <m:e>
                           <m:r>
-                            <a:rPr lang="en-US" sz="800" i="1">
+                            <a:rPr lang="en-US" sz="1000" i="1">
                               <a:latin typeface="Cambria Math"/>
                             </a:rPr>
                             <m:t>𝑁</m:t>
@@ -4662,7 +4662,7 @@
                         </m:e>
                         <m:sub>
                           <m:r>
-                            <a:rPr lang="en-US" sz="800" i="1">
+                            <a:rPr lang="en-US" sz="1000" i="1">
                               <a:latin typeface="Cambria Math"/>
                             </a:rPr>
                             <m:t>𝑇</m:t>
@@ -4672,12 +4672,12 @@
                     </m:oMath>
                   </m:oMathPara>
                 </a14:m>
-                <a:endParaRPr lang="en-US" sz="800" dirty="0"/>
+                <a:endParaRPr lang="en-US" sz="1000" dirty="0"/>
               </a:p>
             </p:txBody>
           </p:sp>
         </mc:Choice>
-        <mc:Fallback xmlns="">
+        <mc:Fallback>
           <p:sp>
             <p:nvSpPr>
               <p:cNvPr id="43" name="Flowchart: Decision 42"/>
@@ -4688,8 +4688,8 @@
             </p:nvSpPr>
             <p:spPr>
               <a:xfrm>
-                <a:off x="457205" y="2919171"/>
-                <a:ext cx="1190625" cy="624287"/>
+                <a:off x="240907" y="2218930"/>
+                <a:ext cx="1461496" cy="720488"/>
               </a:xfrm>
               <a:prstGeom prst="flowChartDecision">
                 <a:avLst/>
@@ -4727,8 +4727,8 @@
         </p:nvCxnSpPr>
         <p:spPr>
           <a:xfrm rot="5400000">
-            <a:off x="4012992" y="2709169"/>
-            <a:ext cx="504458" cy="975519"/>
+            <a:off x="4571272" y="2343365"/>
+            <a:ext cx="458170" cy="717649"/>
           </a:xfrm>
           <a:prstGeom prst="bentConnector3">
             <a:avLst/>
@@ -4752,8 +4752,8 @@
           </a:fontRef>
         </p:style>
       </p:cxnSp>
-      <mc:AlternateContent xmlns:mc="http://schemas.openxmlformats.org/markup-compatibility/2006" xmlns:a14="http://schemas.microsoft.com/office/drawing/2010/main">
-        <mc:Choice Requires="a14">
+      <mc:AlternateContent xmlns:mc="http://schemas.openxmlformats.org/markup-compatibility/2006">
+        <mc:Choice xmlns:a14="http://schemas.microsoft.com/office/drawing/2010/main" Requires="a14">
           <p:sp>
             <p:nvSpPr>
               <p:cNvPr id="96" name="Rectangle 95"/>
@@ -4762,7 +4762,7 @@
             </p:nvSpPr>
             <p:spPr>
               <a:xfrm>
-                <a:off x="795341" y="3840181"/>
+                <a:off x="714879" y="3198297"/>
                 <a:ext cx="514350" cy="339040"/>
               </a:xfrm>
               <a:prstGeom prst="rect">
@@ -4798,7 +4798,7 @@
                         <m:rPr>
                           <m:sty m:val="p"/>
                         </m:rPr>
-                        <a:rPr lang="en-US" sz="800">
+                        <a:rPr lang="en-US" sz="1000">
                           <a:latin typeface="Cambria Math"/>
                         </a:rPr>
                         <m:t>end</m:t>
@@ -4806,12 +4806,12 @@
                     </m:oMath>
                   </m:oMathPara>
                 </a14:m>
-                <a:endParaRPr lang="en-US" sz="800" dirty="0"/>
+                <a:endParaRPr lang="en-US" sz="1000" dirty="0"/>
               </a:p>
             </p:txBody>
           </p:sp>
         </mc:Choice>
-        <mc:Fallback xmlns="">
+        <mc:Fallback>
           <p:sp>
             <p:nvSpPr>
               <p:cNvPr id="96" name="Rectangle 95"/>
@@ -4822,7 +4822,7 @@
             </p:nvSpPr>
             <p:spPr>
               <a:xfrm>
-                <a:off x="795341" y="3840181"/>
+                <a:off x="714879" y="3198297"/>
                 <a:ext cx="514350" cy="339040"/>
               </a:xfrm>
               <a:prstGeom prst="rect">
@@ -4861,13 +4861,13 @@
         </p:nvCxnSpPr>
         <p:spPr>
           <a:xfrm rot="10800000">
-            <a:off x="1052514" y="2919174"/>
-            <a:ext cx="2324892" cy="720486"/>
+            <a:off x="971655" y="2218930"/>
+            <a:ext cx="3069826" cy="902844"/>
           </a:xfrm>
           <a:prstGeom prst="bentConnector4">
             <a:avLst>
-              <a:gd name="adj1" fmla="val 37197"/>
-              <a:gd name="adj2" fmla="val 131729"/>
+              <a:gd name="adj1" fmla="val 38098"/>
+              <a:gd name="adj2" fmla="val 125320"/>
             </a:avLst>
           </a:prstGeom>
           <a:ln>
@@ -4889,8 +4889,8 @@
           </a:fontRef>
         </p:style>
       </p:cxnSp>
-      <mc:AlternateContent xmlns:mc="http://schemas.openxmlformats.org/markup-compatibility/2006" xmlns:a14="http://schemas.microsoft.com/office/drawing/2010/main">
-        <mc:Choice Requires="a14">
+      <mc:AlternateContent xmlns:mc="http://schemas.openxmlformats.org/markup-compatibility/2006">
+        <mc:Choice xmlns:a14="http://schemas.microsoft.com/office/drawing/2010/main" Requires="a14">
           <p:sp>
             <p:nvSpPr>
               <p:cNvPr id="101" name="Flowchart: Decision 100"/>
@@ -4899,7 +4899,7 @@
             </p:nvSpPr>
             <p:spPr>
               <a:xfrm>
-                <a:off x="1635920" y="4305180"/>
+                <a:off x="2048523" y="3600061"/>
                 <a:ext cx="990600" cy="624287"/>
               </a:xfrm>
               <a:prstGeom prst="flowChartDecision">
@@ -4935,7 +4935,7 @@
                         <m:rPr>
                           <m:sty m:val="p"/>
                         </m:rPr>
-                        <a:rPr lang="en-US" sz="800">
+                        <a:rPr lang="en-US" sz="1000">
                           <a:latin typeface="Cambria Math"/>
                         </a:rPr>
                         <m:t>Algorithm</m:t>
@@ -4943,12 +4943,12 @@
                     </m:oMath>
                   </m:oMathPara>
                 </a14:m>
-                <a:endParaRPr lang="en-US" sz="800" dirty="0"/>
+                <a:endParaRPr lang="en-US" sz="1000" dirty="0"/>
               </a:p>
             </p:txBody>
           </p:sp>
         </mc:Choice>
-        <mc:Fallback xmlns="">
+        <mc:Fallback>
           <p:sp>
             <p:nvSpPr>
               <p:cNvPr id="101" name="Flowchart: Decision 100"/>
@@ -4959,7 +4959,7 @@
             </p:nvSpPr>
             <p:spPr>
               <a:xfrm>
-                <a:off x="1635920" y="4305180"/>
+                <a:off x="2048523" y="3600061"/>
                 <a:ext cx="990600" cy="624287"/>
               </a:xfrm>
               <a:prstGeom prst="flowChartDecision">
@@ -4998,8 +4998,8 @@
         </p:nvCxnSpPr>
         <p:spPr>
           <a:xfrm>
-            <a:off x="1647826" y="3231317"/>
-            <a:ext cx="483394" cy="1073864"/>
+            <a:off x="1702403" y="2579175"/>
+            <a:ext cx="841420" cy="1020886"/>
           </a:xfrm>
           <a:prstGeom prst="bentConnector2">
             <a:avLst/>
@@ -5034,12 +5034,12 @@
         </p:nvCxnSpPr>
         <p:spPr>
           <a:xfrm flipV="1">
-            <a:off x="2626523" y="2706639"/>
-            <a:ext cx="2701923" cy="1910685"/>
+            <a:off x="3039125" y="2235044"/>
+            <a:ext cx="2695525" cy="1677161"/>
           </a:xfrm>
           <a:prstGeom prst="bentConnector3">
             <a:avLst>
-              <a:gd name="adj1" fmla="val 108461"/>
+              <a:gd name="adj1" fmla="val 108481"/>
             </a:avLst>
           </a:prstGeom>
           <a:ln>
@@ -5061,8 +5061,8 @@
           </a:fontRef>
         </p:style>
       </p:cxnSp>
-      <mc:AlternateContent xmlns:mc="http://schemas.openxmlformats.org/markup-compatibility/2006" xmlns:a14="http://schemas.microsoft.com/office/drawing/2010/main">
-        <mc:Choice Requires="a14">
+      <mc:AlternateContent xmlns:mc="http://schemas.openxmlformats.org/markup-compatibility/2006">
+        <mc:Choice xmlns:a14="http://schemas.microsoft.com/office/drawing/2010/main" Requires="a14">
           <p:sp>
             <p:nvSpPr>
               <p:cNvPr id="110" name="TextBox 109"/>
@@ -5071,7 +5071,7 @@
             </p:nvSpPr>
             <p:spPr>
               <a:xfrm>
-                <a:off x="2631088" y="4401881"/>
+                <a:off x="2857502" y="3679960"/>
                 <a:ext cx="676274" cy="223050"/>
               </a:xfrm>
               <a:prstGeom prst="rect">
@@ -5109,7 +5109,7 @@
             </p:txBody>
           </p:sp>
         </mc:Choice>
-        <mc:Fallback xmlns="">
+        <mc:Fallback>
           <p:sp>
             <p:nvSpPr>
               <p:cNvPr id="110" name="TextBox 109"/>
@@ -5120,7 +5120,7 @@
             </p:nvSpPr>
             <p:spPr>
               <a:xfrm>
-                <a:off x="2631088" y="4401881"/>
+                <a:off x="2857502" y="3679960"/>
                 <a:ext cx="676274" cy="223050"/>
               </a:xfrm>
               <a:prstGeom prst="rect">
@@ -5148,8 +5148,8 @@
           </p:sp>
         </mc:Fallback>
       </mc:AlternateContent>
-      <mc:AlternateContent xmlns:mc="http://schemas.openxmlformats.org/markup-compatibility/2006" xmlns:a14="http://schemas.microsoft.com/office/drawing/2010/main">
-        <mc:Choice Requires="a14">
+      <mc:AlternateContent xmlns:mc="http://schemas.openxmlformats.org/markup-compatibility/2006">
+        <mc:Choice xmlns:a14="http://schemas.microsoft.com/office/drawing/2010/main" Requires="a14">
           <p:sp>
             <p:nvSpPr>
               <p:cNvPr id="117" name="Rectangle 116"/>
@@ -5158,7 +5158,7 @@
             </p:nvSpPr>
             <p:spPr>
               <a:xfrm>
-                <a:off x="4770837" y="6400801"/>
+                <a:off x="5154016" y="4802067"/>
                 <a:ext cx="914400" cy="357663"/>
               </a:xfrm>
               <a:prstGeom prst="rect">
@@ -5187,13 +5187,13 @@
                 <a14:m>
                   <m:oMath xmlns:m="http://schemas.openxmlformats.org/officeDocument/2006/math">
                     <m:r>
-                      <a:rPr lang="en-US" sz="900" b="1" i="1">
+                      <a:rPr lang="en-US" sz="1000" b="1" i="1">
                         <a:latin typeface="Cambria Math"/>
                       </a:rPr>
                       <m:t>𝑮</m:t>
                     </m:r>
                     <m:r>
-                      <a:rPr lang="en-US" sz="900" i="1">
+                      <a:rPr lang="en-US" sz="1000" i="1">
                         <a:latin typeface="Cambria Math"/>
                       </a:rPr>
                       <m:t>=</m:t>
@@ -5203,14 +5203,14 @@
                         <m:begChr m:val="["/>
                         <m:endChr m:val=""/>
                         <m:ctrlPr>
-                          <a:rPr lang="en-US" sz="900" i="1">
+                          <a:rPr lang="en-US" sz="1000" i="1">
                             <a:latin typeface="Cambria Math"/>
                           </a:rPr>
                         </m:ctrlPr>
                       </m:dPr>
                       <m:e>
                         <m:r>
-                          <a:rPr lang="en-US" sz="900" b="1" i="1">
+                          <a:rPr lang="en-US" sz="1000" b="1" i="1">
                             <a:latin typeface="Cambria Math"/>
                           </a:rPr>
                           <m:t>𝑮</m:t>
@@ -5218,7 +5218,7 @@
                       </m:e>
                     </m:d>
                     <m:r>
-                      <a:rPr lang="en-US" sz="900" i="1">
+                      <a:rPr lang="en-US" sz="1000" i="1">
                         <a:latin typeface="Cambria Math"/>
                       </a:rPr>
                       <m:t>,</m:t>
@@ -5228,7 +5228,7 @@
                         <m:begChr m:val=""/>
                         <m:endChr m:val="]"/>
                         <m:ctrlPr>
-                          <a:rPr lang="en-US" sz="900" i="1">
+                          <a:rPr lang="en-US" sz="1000" i="1">
                             <a:latin typeface="Cambria Math"/>
                           </a:rPr>
                         </m:ctrlPr>
@@ -5237,14 +5237,14 @@
                         <m:sSub>
                           <m:sSubPr>
                             <m:ctrlPr>
-                              <a:rPr lang="en-US" sz="900" i="1">
+                              <a:rPr lang="en-US" sz="1000" i="1">
                                 <a:latin typeface="Cambria Math"/>
                               </a:rPr>
                             </m:ctrlPr>
                           </m:sSubPr>
                           <m:e>
                             <m:r>
-                              <a:rPr lang="en-US" sz="900" b="1" i="1">
+                              <a:rPr lang="en-US" sz="1000" b="1" i="1">
                                 <a:latin typeface="Cambria Math"/>
                               </a:rPr>
                               <m:t>𝒉</m:t>
@@ -5255,14 +5255,14 @@
                               <m:accPr>
                                 <m:chr m:val="̅"/>
                                 <m:ctrlPr>
-                                  <a:rPr lang="en-US" sz="900" i="1">
+                                  <a:rPr lang="en-US" sz="1000" i="1">
                                     <a:latin typeface="Cambria Math"/>
                                   </a:rPr>
                                 </m:ctrlPr>
                               </m:accPr>
                               <m:e>
                                 <m:r>
-                                  <a:rPr lang="en-US" sz="900" b="1" i="1">
+                                  <a:rPr lang="en-US" sz="1000" b="1" i="1">
                                     <a:latin typeface="Cambria Math"/>
                                   </a:rPr>
                                   <m:t>𝒖</m:t>
@@ -5276,14 +5276,14 @@
                   </m:oMath>
                 </a14:m>
                 <a:r>
-                  <a:rPr lang="en-US" sz="900" b="1" dirty="0"/>
+                  <a:rPr lang="en-US" sz="1000" b="1" dirty="0"/>
                   <a:t> </a:t>
                 </a:r>
               </a:p>
             </p:txBody>
           </p:sp>
         </mc:Choice>
-        <mc:Fallback xmlns="">
+        <mc:Fallback>
           <p:sp>
             <p:nvSpPr>
               <p:cNvPr id="117" name="Rectangle 116"/>
@@ -5294,7 +5294,7 @@
             </p:nvSpPr>
             <p:spPr>
               <a:xfrm>
-                <a:off x="4770837" y="6400801"/>
+                <a:off x="5154016" y="4802067"/>
                 <a:ext cx="914400" cy="357663"/>
               </a:xfrm>
               <a:prstGeom prst="rect">
@@ -5322,8 +5322,8 @@
           </p:sp>
         </mc:Fallback>
       </mc:AlternateContent>
-      <mc:AlternateContent xmlns:mc="http://schemas.openxmlformats.org/markup-compatibility/2006" xmlns:a14="http://schemas.microsoft.com/office/drawing/2010/main">
-        <mc:Choice Requires="a14">
+      <mc:AlternateContent xmlns:mc="http://schemas.openxmlformats.org/markup-compatibility/2006">
+        <mc:Choice xmlns:a14="http://schemas.microsoft.com/office/drawing/2010/main" Requires="a14">
           <p:sp>
             <p:nvSpPr>
               <p:cNvPr id="118" name="Rectangle 117"/>
@@ -5332,8 +5332,8 @@
             </p:nvSpPr>
             <p:spPr>
               <a:xfrm>
-                <a:off x="4425158" y="7010399"/>
-                <a:ext cx="1605758" cy="457200"/>
+                <a:off x="4615486" y="5410200"/>
+                <a:ext cx="1771650" cy="457200"/>
               </a:xfrm>
               <a:prstGeom prst="rect">
                 <a:avLst/>
@@ -5365,7 +5365,7 @@
                     </m:oMathParaPr>
                     <m:oMath xmlns:m="http://schemas.openxmlformats.org/officeDocument/2006/math">
                       <m:r>
-                        <a:rPr lang="en-US" sz="900" b="1" i="1">
+                        <a:rPr lang="en-US" sz="1000" b="1" i="1">
                           <a:latin typeface="Cambria Math"/>
                         </a:rPr>
                         <m:t>𝑵</m:t>
@@ -5373,14 +5373,14 @@
                       <m:d>
                         <m:dPr>
                           <m:ctrlPr>
-                            <a:rPr lang="en-US" sz="900" b="1" i="1">
+                            <a:rPr lang="en-US" sz="1000" b="1" i="1">
                               <a:latin typeface="Cambria Math"/>
                             </a:rPr>
                           </m:ctrlPr>
                         </m:dPr>
                         <m:e>
                           <m:r>
-                            <a:rPr lang="en-US" sz="900" b="1" i="1">
+                            <a:rPr lang="en-US" sz="1000" b="1" i="1">
                               <a:latin typeface="Cambria Math"/>
                             </a:rPr>
                             <m:t>𝑨</m:t>
@@ -5388,7 +5388,7 @@
                         </m:e>
                       </m:d>
                       <m:r>
-                        <a:rPr lang="en-US" sz="900" i="1">
+                        <a:rPr lang="en-US" sz="1000" i="1">
                           <a:latin typeface="Cambria Math"/>
                         </a:rPr>
                         <m:t>=</m:t>
@@ -5396,14 +5396,14 @@
                       <m:sSub>
                         <m:sSubPr>
                           <m:ctrlPr>
-                            <a:rPr lang="en-US" sz="900" i="1">
+                            <a:rPr lang="en-US" sz="1000" i="1">
                               <a:latin typeface="Cambria Math"/>
                             </a:rPr>
                           </m:ctrlPr>
                         </m:sSubPr>
                         <m:e>
                           <m:r>
-                            <a:rPr lang="en-US" sz="900" b="1" i="1">
+                            <a:rPr lang="en-US" sz="1000" b="1" i="1">
                               <a:latin typeface="Cambria Math"/>
                             </a:rPr>
                             <m:t>𝑰</m:t>
@@ -5413,14 +5413,14 @@
                           <m:sSub>
                             <m:sSubPr>
                               <m:ctrlPr>
-                                <a:rPr lang="en-US" sz="900" i="1">
+                                <a:rPr lang="en-US" sz="1000" i="1">
                                   <a:latin typeface="Cambria Math"/>
                                 </a:rPr>
                               </m:ctrlPr>
                             </m:sSubPr>
                             <m:e>
                               <m:r>
-                                <a:rPr lang="en-US" sz="900" i="1">
+                                <a:rPr lang="en-US" sz="1000" i="1">
                                   <a:latin typeface="Cambria Math"/>
                                 </a:rPr>
                                 <m:t>𝑁</m:t>
@@ -5428,7 +5428,7 @@
                             </m:e>
                             <m:sub>
                               <m:r>
-                                <a:rPr lang="en-US" sz="900" i="1">
+                                <a:rPr lang="en-US" sz="1000" i="1">
                                   <a:latin typeface="Cambria Math"/>
                                 </a:rPr>
                                 <m:t>𝑇</m:t>
@@ -5438,13 +5438,13 @@
                         </m:sub>
                       </m:sSub>
                       <m:r>
-                        <a:rPr lang="en-US" sz="900" i="1">
+                        <a:rPr lang="en-US" sz="1000" i="1">
                           <a:latin typeface="Cambria Math"/>
                         </a:rPr>
                         <m:t>−</m:t>
                       </m:r>
                       <m:r>
-                        <a:rPr lang="en-US" sz="900" b="1" i="1">
+                        <a:rPr lang="en-US" sz="1000" b="1" i="1">
                           <a:latin typeface="Cambria Math"/>
                         </a:rPr>
                         <m:t>𝑮</m:t>
@@ -5452,7 +5452,7 @@
                       <m:sSup>
                         <m:sSupPr>
                           <m:ctrlPr>
-                            <a:rPr lang="en-US" sz="900" b="1" i="1">
+                            <a:rPr lang="en-US" sz="1000" b="1" i="1">
                               <a:latin typeface="Cambria Math"/>
                             </a:rPr>
                           </m:ctrlPr>
@@ -5461,7 +5461,7 @@
                           <m:d>
                             <m:dPr>
                               <m:ctrlPr>
-                                <a:rPr lang="en-US" sz="900" b="1" i="1">
+                                <a:rPr lang="en-US" sz="1000" b="1" i="1">
                                   <a:latin typeface="Cambria Math"/>
                                 </a:rPr>
                               </m:ctrlPr>
@@ -5470,14 +5470,14 @@
                               <m:sSup>
                                 <m:sSupPr>
                                   <m:ctrlPr>
-                                    <a:rPr lang="en-US" sz="900" b="1" i="1">
+                                    <a:rPr lang="en-US" sz="1000" b="1" i="1">
                                       <a:latin typeface="Cambria Math"/>
                                     </a:rPr>
                                   </m:ctrlPr>
                                 </m:sSupPr>
                                 <m:e>
                                   <m:r>
-                                    <a:rPr lang="en-US" sz="900" b="1" i="1">
+                                    <a:rPr lang="en-US" sz="1000" b="1" i="1">
                                       <a:latin typeface="Cambria Math"/>
                                     </a:rPr>
                                     <m:t>𝑮</m:t>
@@ -5485,7 +5485,7 @@
                                 </m:e>
                                 <m:sup>
                                   <m:r>
-                                    <a:rPr lang="en-US" sz="900" b="1">
+                                    <a:rPr lang="en-US" sz="1000" b="1">
                                       <a:latin typeface="Cambria Math"/>
                                     </a:rPr>
                                     <m:t>𝐇</m:t>
@@ -5493,7 +5493,7 @@
                                 </m:sup>
                               </m:sSup>
                               <m:r>
-                                <a:rPr lang="en-US" sz="900" b="1" i="1">
+                                <a:rPr lang="en-US" sz="1000" b="1" i="1">
                                   <a:latin typeface="Cambria Math"/>
                                 </a:rPr>
                                 <m:t>𝑮</m:t>
@@ -5503,13 +5503,13 @@
                         </m:e>
                         <m:sup>
                           <m:r>
-                            <a:rPr lang="en-US" sz="900" b="1" i="1">
+                            <a:rPr lang="en-US" sz="1000" b="1" i="1">
                               <a:latin typeface="Cambria Math"/>
                             </a:rPr>
                             <m:t>−</m:t>
                           </m:r>
                           <m:r>
-                            <a:rPr lang="en-US" sz="900" b="1" i="1">
+                            <a:rPr lang="en-US" sz="1000" b="1" i="1">
                               <a:latin typeface="Cambria Math"/>
                             </a:rPr>
                             <m:t>𝟏</m:t>
@@ -5519,14 +5519,14 @@
                       <m:sSup>
                         <m:sSupPr>
                           <m:ctrlPr>
-                            <a:rPr lang="en-US" sz="900" b="1" i="1">
+                            <a:rPr lang="en-US" sz="1000" b="1" i="1">
                               <a:latin typeface="Cambria Math"/>
                             </a:rPr>
                           </m:ctrlPr>
                         </m:sSupPr>
                         <m:e>
                           <m:r>
-                            <a:rPr lang="en-US" sz="900" b="1" i="1">
+                            <a:rPr lang="en-US" sz="1000" b="1" i="1">
                               <a:latin typeface="Cambria Math"/>
                             </a:rPr>
                             <m:t>𝑮</m:t>
@@ -5534,7 +5534,7 @@
                         </m:e>
                         <m:sup>
                           <m:r>
-                            <a:rPr lang="en-US" sz="900" b="1">
+                            <a:rPr lang="en-US" sz="1000" b="1">
                               <a:latin typeface="Cambria Math"/>
                             </a:rPr>
                             <m:t>𝐇</m:t>
@@ -5544,12 +5544,12 @@
                     </m:oMath>
                   </m:oMathPara>
                 </a14:m>
-                <a:endParaRPr lang="en-US" sz="900" b="1" dirty="0"/>
+                <a:endParaRPr lang="en-US" sz="1000" b="1" dirty="0"/>
               </a:p>
             </p:txBody>
           </p:sp>
         </mc:Choice>
-        <mc:Fallback xmlns="">
+        <mc:Fallback>
           <p:sp>
             <p:nvSpPr>
               <p:cNvPr id="118" name="Rectangle 117"/>
@@ -5560,8 +5560,8 @@
             </p:nvSpPr>
             <p:spPr>
               <a:xfrm>
-                <a:off x="4425158" y="7010399"/>
-                <a:ext cx="1605758" cy="457200"/>
+                <a:off x="4615486" y="5410200"/>
+                <a:ext cx="1771650" cy="457200"/>
               </a:xfrm>
               <a:prstGeom prst="rect">
                 <a:avLst/>
@@ -5588,8 +5588,8 @@
           </p:sp>
         </mc:Fallback>
       </mc:AlternateContent>
-      <mc:AlternateContent xmlns:mc="http://schemas.openxmlformats.org/markup-compatibility/2006" xmlns:a14="http://schemas.microsoft.com/office/drawing/2010/main">
-        <mc:Choice Requires="a14">
+      <mc:AlternateContent xmlns:mc="http://schemas.openxmlformats.org/markup-compatibility/2006">
+        <mc:Choice xmlns:a14="http://schemas.microsoft.com/office/drawing/2010/main" Requires="a14">
           <p:sp>
             <p:nvSpPr>
               <p:cNvPr id="119" name="Rectangle 118"/>
@@ -5598,7 +5598,7 @@
             </p:nvSpPr>
             <p:spPr>
               <a:xfrm>
-                <a:off x="4514654" y="7696200"/>
+                <a:off x="4897835" y="6097467"/>
                 <a:ext cx="1426767" cy="476121"/>
               </a:xfrm>
               <a:prstGeom prst="rect">
@@ -5634,14 +5634,14 @@
                         <m:accPr>
                           <m:chr m:val="̅"/>
                           <m:ctrlPr>
-                            <a:rPr lang="en-US" sz="900" i="1">
+                            <a:rPr lang="en-US" sz="1000" i="1">
                               <a:latin typeface="Cambria Math"/>
                             </a:rPr>
                           </m:ctrlPr>
                         </m:accPr>
                         <m:e>
                           <m:r>
-                            <a:rPr lang="en-US" sz="900" i="1">
+                            <a:rPr lang="en-US" sz="1000" i="1">
                               <a:latin typeface="Cambria Math"/>
                             </a:rPr>
                             <m:t>𝑢</m:t>
@@ -5649,7 +5649,7 @@
                         </m:e>
                       </m:acc>
                       <m:r>
-                        <a:rPr lang="en-US" sz="900" i="1">
+                        <a:rPr lang="en-US" sz="1000" i="1">
                           <a:latin typeface="Cambria Math"/>
                         </a:rPr>
                         <m:t>= </m:t>
@@ -5657,7 +5657,7 @@
                       <m:func>
                         <m:funcPr>
                           <m:ctrlPr>
-                            <a:rPr lang="en-US" sz="900" i="1">
+                            <a:rPr lang="en-US" sz="1000" i="1">
                               <a:latin typeface="Cambria Math"/>
                             </a:rPr>
                           </m:ctrlPr>
@@ -5666,7 +5666,7 @@
                           <m:limLow>
                             <m:limLowPr>
                               <m:ctrlPr>
-                                <a:rPr lang="en-US" sz="900" i="1">
+                                <a:rPr lang="en-US" sz="1000" i="1">
                                   <a:latin typeface="Cambria Math"/>
                                 </a:rPr>
                               </m:ctrlPr>
@@ -5676,7 +5676,7 @@
                                 <m:rPr>
                                   <m:sty m:val="p"/>
                                 </m:rPr>
-                                <a:rPr lang="en-US" sz="900">
+                                <a:rPr lang="en-US" sz="1000">
                                   <a:latin typeface="Cambria Math"/>
                                 </a:rPr>
                                 <m:t>max</m:t>
@@ -5684,27 +5684,27 @@
                             </m:e>
                             <m:lim>
                               <m:r>
-                                <a:rPr lang="en-US" sz="900" i="1">
+                                <a:rPr lang="en-US" sz="1000" i="1">
                                   <a:latin typeface="Cambria Math"/>
                                 </a:rPr>
                                 <m:t>𝑖</m:t>
                               </m:r>
                               <m:r>
-                                <a:rPr lang="en-US" sz="900" i="1">
+                                <a:rPr lang="en-US" sz="1000" i="1">
                                   <a:latin typeface="Cambria Math"/>
                                   <a:ea typeface="Cambria Math"/>
                                 </a:rPr>
                                 <m:t>∈</m:t>
                               </m:r>
                               <m:r>
-                                <a:rPr lang="en-US" sz="900" i="1">
+                                <a:rPr lang="en-US" sz="1000" i="1">
                                   <a:latin typeface="Cambria Math"/>
                                   <a:ea typeface="Cambria Math"/>
                                 </a:rPr>
                                 <m:t>𝑈</m:t>
                               </m:r>
                               <m:r>
-                                <a:rPr lang="en-US" sz="900" i="1">
+                                <a:rPr lang="en-US" sz="1000" i="1">
                                   <a:latin typeface="Cambria Math"/>
                                   <a:ea typeface="Cambria Math"/>
                                 </a:rPr>
@@ -5714,7 +5714,7 @@
                                 <m:rPr>
                                   <m:sty m:val="p"/>
                                 </m:rPr>
-                                <a:rPr lang="en-US" sz="900" i="1">
+                                <a:rPr lang="en-US" sz="1000" i="1">
                                   <a:latin typeface="Cambria Math"/>
                                   <a:ea typeface="Cambria Math"/>
                                 </a:rPr>
@@ -5729,14 +5729,14 @@
                               <m:begChr m:val="‖"/>
                               <m:endChr m:val="‖"/>
                               <m:ctrlPr>
-                                <a:rPr lang="en-US" sz="900" i="1">
+                                <a:rPr lang="en-US" sz="1000" i="1">
                                   <a:latin typeface="Cambria Math"/>
                                 </a:rPr>
                               </m:ctrlPr>
                             </m:dPr>
                             <m:e>
                               <m:r>
-                                <a:rPr lang="en-US" sz="900" b="1" i="1">
+                                <a:rPr lang="en-US" sz="1000" b="1" i="1">
                                   <a:latin typeface="Cambria Math"/>
                                 </a:rPr>
                                 <m:t>𝑵</m:t>
@@ -5744,14 +5744,14 @@
                               <m:d>
                                 <m:dPr>
                                   <m:ctrlPr>
-                                    <a:rPr lang="en-US" sz="900" i="1">
+                                    <a:rPr lang="en-US" sz="1000" i="1">
                                       <a:latin typeface="Cambria Math"/>
                                     </a:rPr>
                                   </m:ctrlPr>
                                 </m:dPr>
                                 <m:e>
                                   <m:r>
-                                    <a:rPr lang="en-US" sz="900" i="1">
+                                    <a:rPr lang="en-US" sz="1000" i="1">
                                       <a:latin typeface="Cambria Math"/>
                                     </a:rPr>
                                     <m:t>𝐴</m:t>
@@ -5761,14 +5761,14 @@
                               <m:sSub>
                                 <m:sSubPr>
                                   <m:ctrlPr>
-                                    <a:rPr lang="en-US" sz="900" i="1">
+                                    <a:rPr lang="en-US" sz="1000" i="1">
                                       <a:latin typeface="Cambria Math"/>
                                     </a:rPr>
                                   </m:ctrlPr>
                                 </m:sSubPr>
                                 <m:e>
                                   <m:r>
-                                    <a:rPr lang="en-US" sz="900" b="1" i="1">
+                                    <a:rPr lang="en-US" sz="1000" b="1" i="1">
                                       <a:latin typeface="Cambria Math"/>
                                     </a:rPr>
                                     <m:t>𝒉</m:t>
@@ -5776,7 +5776,7 @@
                                 </m:e>
                                 <m:sub>
                                   <m:r>
-                                    <a:rPr lang="en-US" sz="900" i="1">
+                                    <a:rPr lang="en-US" sz="1000" i="1">
                                       <a:latin typeface="Cambria Math"/>
                                     </a:rPr>
                                     <m:t>𝑖</m:t>
@@ -5790,12 +5790,12 @@
                     </m:oMath>
                   </m:oMathPara>
                 </a14:m>
-                <a:endParaRPr lang="en-US" sz="900" dirty="0"/>
+                <a:endParaRPr lang="en-US" sz="1000" dirty="0"/>
               </a:p>
             </p:txBody>
           </p:sp>
         </mc:Choice>
-        <mc:Fallback xmlns="">
+        <mc:Fallback>
           <p:sp>
             <p:nvSpPr>
               <p:cNvPr id="119" name="Rectangle 118"/>
@@ -5806,7 +5806,7 @@
             </p:nvSpPr>
             <p:spPr>
               <a:xfrm>
-                <a:off x="4514654" y="7696200"/>
+                <a:off x="4897835" y="6097467"/>
                 <a:ext cx="1426767" cy="476121"/>
               </a:xfrm>
               <a:prstGeom prst="rect">
@@ -5836,42 +5836,6 @@
       </mc:AlternateContent>
       <p:cxnSp>
         <p:nvCxnSpPr>
-          <p:cNvPr id="126" name="Straight Arrow Connector 125"/>
-          <p:cNvCxnSpPr>
-            <a:stCxn id="43" idx="2"/>
-            <a:endCxn id="96" idx="0"/>
-          </p:cNvCxnSpPr>
-          <p:nvPr/>
-        </p:nvCxnSpPr>
-        <p:spPr>
-          <a:xfrm flipH="1">
-            <a:off x="1052517" y="3543460"/>
-            <a:ext cx="1" cy="296721"/>
-          </a:xfrm>
-          <a:prstGeom prst="straightConnector1">
-            <a:avLst/>
-          </a:prstGeom>
-          <a:ln>
-            <a:tailEnd type="triangle"/>
-          </a:ln>
-        </p:spPr>
-        <p:style>
-          <a:lnRef idx="1">
-            <a:schemeClr val="accent1"/>
-          </a:lnRef>
-          <a:fillRef idx="0">
-            <a:schemeClr val="accent1"/>
-          </a:fillRef>
-          <a:effectRef idx="0">
-            <a:schemeClr val="accent1"/>
-          </a:effectRef>
-          <a:fontRef idx="minor">
-            <a:schemeClr val="tx1"/>
-          </a:fontRef>
-        </p:style>
-      </p:cxnSp>
-      <p:cxnSp>
-        <p:nvCxnSpPr>
           <p:cNvPr id="134" name="Elbow Connector 133"/>
           <p:cNvCxnSpPr>
             <a:stCxn id="101" idx="2"/>
@@ -5881,12 +5845,12 @@
         </p:nvCxnSpPr>
         <p:spPr>
           <a:xfrm rot="16200000" flipH="1">
-            <a:off x="2943961" y="4116725"/>
-            <a:ext cx="1471334" cy="3096817"/>
+            <a:off x="3788659" y="2979511"/>
+            <a:ext cx="577720" cy="3067393"/>
           </a:xfrm>
           <a:prstGeom prst="bentConnector3">
             <a:avLst>
-              <a:gd name="adj1" fmla="val 18279"/>
+              <a:gd name="adj1" fmla="val 50000"/>
             </a:avLst>
           </a:prstGeom>
           <a:ln>
@@ -5913,14 +5877,13 @@
           <p:cNvPr id="136" name="Straight Arrow Connector 135"/>
           <p:cNvCxnSpPr>
             <a:stCxn id="117" idx="2"/>
-            <a:endCxn id="118" idx="0"/>
           </p:cNvCxnSpPr>
           <p:nvPr/>
         </p:nvCxnSpPr>
         <p:spPr>
           <a:xfrm>
-            <a:off x="5228035" y="6758461"/>
-            <a:ext cx="0" cy="251941"/>
+            <a:off x="5611218" y="5159731"/>
+            <a:ext cx="1" cy="251935"/>
           </a:xfrm>
           <a:prstGeom prst="straightConnector1">
             <a:avLst/>
@@ -5948,15 +5911,14 @@
         <p:nvCxnSpPr>
           <p:cNvPr id="138" name="Straight Arrow Connector 137"/>
           <p:cNvCxnSpPr>
-            <a:stCxn id="118" idx="2"/>
             <a:endCxn id="119" idx="0"/>
           </p:cNvCxnSpPr>
           <p:nvPr/>
         </p:nvCxnSpPr>
         <p:spPr>
           <a:xfrm>
-            <a:off x="5228037" y="7467602"/>
-            <a:ext cx="1" cy="228597"/>
+            <a:off x="5611217" y="5868865"/>
+            <a:ext cx="0" cy="228601"/>
           </a:xfrm>
           <a:prstGeom prst="straightConnector1">
             <a:avLst/>
@@ -5991,13 +5953,13 @@
         </p:nvCxnSpPr>
         <p:spPr>
           <a:xfrm rot="5400000" flipH="1">
-            <a:off x="2436443" y="5380727"/>
-            <a:ext cx="4532661" cy="1050528"/>
+            <a:off x="3500493" y="4462863"/>
+            <a:ext cx="3451813" cy="769636"/>
           </a:xfrm>
           <a:prstGeom prst="bentConnector4">
             <a:avLst>
-              <a:gd name="adj1" fmla="val -9876"/>
-              <a:gd name="adj2" fmla="val -130931"/>
+              <a:gd name="adj1" fmla="val -6623"/>
+              <a:gd name="adj2" fmla="val -134672"/>
             </a:avLst>
           </a:prstGeom>
           <a:ln>
@@ -6019,8 +5981,8 @@
           </a:fontRef>
         </p:style>
       </p:cxnSp>
-      <mc:AlternateContent xmlns:mc="http://schemas.openxmlformats.org/markup-compatibility/2006" xmlns:a14="http://schemas.microsoft.com/office/drawing/2010/main">
-        <mc:Choice Requires="a14">
+      <mc:AlternateContent xmlns:mc="http://schemas.openxmlformats.org/markup-compatibility/2006">
+        <mc:Choice xmlns:a14="http://schemas.microsoft.com/office/drawing/2010/main" Requires="a14">
           <p:sp>
             <p:nvSpPr>
               <p:cNvPr id="162" name="TextBox 161"/>
@@ -6029,7 +5991,7 @@
             </p:nvSpPr>
             <p:spPr>
               <a:xfrm>
-                <a:off x="2133603" y="4972416"/>
+                <a:off x="2357737" y="4215153"/>
                 <a:ext cx="676274" cy="223050"/>
               </a:xfrm>
               <a:prstGeom prst="rect">
@@ -6067,7 +6029,7 @@
             </p:txBody>
           </p:sp>
         </mc:Choice>
-        <mc:Fallback xmlns="">
+        <mc:Fallback>
           <p:sp>
             <p:nvSpPr>
               <p:cNvPr id="162" name="TextBox 161"/>
@@ -6078,7 +6040,7 @@
             </p:nvSpPr>
             <p:spPr>
               <a:xfrm>
-                <a:off x="2133603" y="4972416"/>
+                <a:off x="2357737" y="4215153"/>
                 <a:ext cx="676274" cy="223050"/>
               </a:xfrm>
               <a:prstGeom prst="rect">
@@ -6106,8 +6068,8 @@
           </p:sp>
         </mc:Fallback>
       </mc:AlternateContent>
-      <mc:AlternateContent xmlns:mc="http://schemas.openxmlformats.org/markup-compatibility/2006" xmlns:a14="http://schemas.microsoft.com/office/drawing/2010/main">
-        <mc:Choice Requires="a14">
+      <mc:AlternateContent xmlns:mc="http://schemas.openxmlformats.org/markup-compatibility/2006">
+        <mc:Choice xmlns:a14="http://schemas.microsoft.com/office/drawing/2010/main" Requires="a14">
           <p:sp>
             <p:nvSpPr>
               <p:cNvPr id="164" name="Rectangle 163"/>
@@ -6116,7 +6078,7 @@
             </p:nvSpPr>
             <p:spPr>
               <a:xfrm>
-                <a:off x="291108" y="6337814"/>
+                <a:off x="320678" y="5522611"/>
                 <a:ext cx="1094186" cy="483633"/>
               </a:xfrm>
               <a:prstGeom prst="rect">
@@ -6149,13 +6111,13 @@
                     </m:oMathParaPr>
                     <m:oMath xmlns:m="http://schemas.openxmlformats.org/officeDocument/2006/math">
                       <m:r>
-                        <a:rPr lang="en-US" sz="900" b="1" i="1">
+                        <a:rPr lang="en-US" sz="1000" b="1" i="1">
                           <a:latin typeface="Cambria Math"/>
                         </a:rPr>
                         <m:t>𝑮</m:t>
                       </m:r>
                       <m:r>
-                        <a:rPr lang="en-US" sz="900" i="1">
+                        <a:rPr lang="en-US" sz="1000" i="1">
                           <a:latin typeface="Cambria Math"/>
                         </a:rPr>
                         <m:t>=</m:t>
@@ -6165,20 +6127,20 @@
                           <m:begChr m:val="["/>
                           <m:endChr m:val="]"/>
                           <m:ctrlPr>
-                            <a:rPr lang="en-US" sz="900" i="1">
+                            <a:rPr lang="en-US" sz="1000" i="1">
                               <a:latin typeface="Cambria Math"/>
                             </a:rPr>
                           </m:ctrlPr>
                         </m:dPr>
                         <m:e>
                           <m:r>
-                            <a:rPr lang="en-US" sz="900" b="1" i="1">
+                            <a:rPr lang="en-US" sz="1000" b="1" i="1">
                               <a:latin typeface="Cambria Math"/>
                             </a:rPr>
                             <m:t>𝑮</m:t>
                           </m:r>
                           <m:r>
-                            <a:rPr lang="en-US" sz="900" i="1">
+                            <a:rPr lang="en-US" sz="1000" i="1">
                               <a:latin typeface="Cambria Math"/>
                             </a:rPr>
                             <m:t>, </m:t>
@@ -6186,7 +6148,7 @@
                           <m:f>
                             <m:fPr>
                               <m:ctrlPr>
-                                <a:rPr lang="en-US" sz="900" i="1">
+                                <a:rPr lang="en-US" sz="1000" i="1">
                                   <a:latin typeface="Cambria Math"/>
                                 </a:rPr>
                               </m:ctrlPr>
@@ -6195,14 +6157,14 @@
                               <m:sSub>
                                 <m:sSubPr>
                                   <m:ctrlPr>
-                                    <a:rPr lang="en-US" sz="900" i="1">
+                                    <a:rPr lang="en-US" sz="1000" i="1">
                                       <a:latin typeface="Cambria Math"/>
                                     </a:rPr>
                                   </m:ctrlPr>
                                 </m:sSubPr>
                                 <m:e>
                                   <m:r>
-                                    <a:rPr lang="en-US" sz="900" b="1" i="1">
+                                    <a:rPr lang="en-US" sz="1000" b="1" i="1">
                                       <a:latin typeface="Cambria Math"/>
                                     </a:rPr>
                                     <m:t>𝒉</m:t>
@@ -6213,14 +6175,14 @@
                                     <m:accPr>
                                       <m:chr m:val="̅"/>
                                       <m:ctrlPr>
-                                        <a:rPr lang="en-US" sz="900" i="1">
+                                        <a:rPr lang="en-US" sz="1000" i="1">
                                           <a:latin typeface="Cambria Math"/>
                                         </a:rPr>
                                       </m:ctrlPr>
                                     </m:accPr>
                                     <m:e>
                                       <m:r>
-                                        <a:rPr lang="en-US" sz="900" b="1" i="1">
+                                        <a:rPr lang="en-US" sz="1000" b="1" i="1">
                                           <a:latin typeface="Cambria Math"/>
                                         </a:rPr>
                                         <m:t>𝒖</m:t>
@@ -6236,7 +6198,7 @@
                                   <m:begChr m:val="‖"/>
                                   <m:endChr m:val="‖"/>
                                   <m:ctrlPr>
-                                    <a:rPr lang="en-US" sz="900" i="1">
+                                    <a:rPr lang="en-US" sz="1000" i="1">
                                       <a:latin typeface="Cambria Math"/>
                                     </a:rPr>
                                   </m:ctrlPr>
@@ -6245,14 +6207,14 @@
                                   <m:sSub>
                                     <m:sSubPr>
                                       <m:ctrlPr>
-                                        <a:rPr lang="en-US" sz="900" i="1">
+                                        <a:rPr lang="en-US" sz="1000" i="1">
                                           <a:latin typeface="Cambria Math"/>
                                         </a:rPr>
                                       </m:ctrlPr>
                                     </m:sSubPr>
                                     <m:e>
                                       <m:r>
-                                        <a:rPr lang="en-US" sz="900" b="1" i="1">
+                                        <a:rPr lang="en-US" sz="1000" b="1" i="1">
                                           <a:latin typeface="Cambria Math"/>
                                         </a:rPr>
                                         <m:t>𝒉</m:t>
@@ -6263,14 +6225,14 @@
                                         <m:accPr>
                                           <m:chr m:val="̅"/>
                                           <m:ctrlPr>
-                                            <a:rPr lang="en-US" sz="900" i="1">
+                                            <a:rPr lang="en-US" sz="1000" i="1">
                                               <a:latin typeface="Cambria Math"/>
                                             </a:rPr>
                                           </m:ctrlPr>
                                         </m:accPr>
                                         <m:e>
                                           <m:r>
-                                            <a:rPr lang="en-US" sz="900" b="1" i="1">
+                                            <a:rPr lang="en-US" sz="1000" b="1" i="1">
                                               <a:latin typeface="Cambria Math"/>
                                             </a:rPr>
                                             <m:t>𝒖</m:t>
@@ -6288,12 +6250,12 @@
                     </m:oMath>
                   </m:oMathPara>
                 </a14:m>
-                <a:endParaRPr lang="en-US" sz="1100" b="1" dirty="0"/>
+                <a:endParaRPr lang="en-US" sz="1200" b="1" dirty="0"/>
               </a:p>
             </p:txBody>
           </p:sp>
         </mc:Choice>
-        <mc:Fallback xmlns="">
+        <mc:Fallback>
           <p:sp>
             <p:nvSpPr>
               <p:cNvPr id="164" name="Rectangle 163"/>
@@ -6304,7 +6266,7 @@
             </p:nvSpPr>
             <p:spPr>
               <a:xfrm>
-                <a:off x="291108" y="6337814"/>
+                <a:off x="320678" y="5522611"/>
                 <a:ext cx="1094186" cy="483633"/>
               </a:xfrm>
               <a:prstGeom prst="rect">
@@ -6332,8 +6294,8 @@
           </p:sp>
         </mc:Fallback>
       </mc:AlternateContent>
-      <mc:AlternateContent xmlns:mc="http://schemas.openxmlformats.org/markup-compatibility/2006" xmlns:a14="http://schemas.microsoft.com/office/drawing/2010/main">
-        <mc:Choice Requires="a14">
+      <mc:AlternateContent xmlns:mc="http://schemas.openxmlformats.org/markup-compatibility/2006">
+        <mc:Choice xmlns:a14="http://schemas.microsoft.com/office/drawing/2010/main" Requires="a14">
           <p:sp>
             <p:nvSpPr>
               <p:cNvPr id="172" name="Rectangle 171"/>
@@ -6342,8 +6304,8 @@
             </p:nvSpPr>
             <p:spPr>
               <a:xfrm>
-                <a:off x="433389" y="8706229"/>
-                <a:ext cx="1605758" cy="457200"/>
+                <a:off x="491235" y="7891025"/>
+                <a:ext cx="1718567" cy="457200"/>
               </a:xfrm>
               <a:prstGeom prst="rect">
                 <a:avLst/>
@@ -6375,7 +6337,7 @@
                     </m:oMathParaPr>
                     <m:oMath xmlns:m="http://schemas.openxmlformats.org/officeDocument/2006/math">
                       <m:r>
-                        <a:rPr lang="en-US" sz="900" b="1" i="1">
+                        <a:rPr lang="en-US" sz="1000" b="1" i="1">
                           <a:latin typeface="Cambria Math"/>
                         </a:rPr>
                         <m:t>𝑵</m:t>
@@ -6383,14 +6345,14 @@
                       <m:d>
                         <m:dPr>
                           <m:ctrlPr>
-                            <a:rPr lang="en-US" sz="900" b="1" i="1">
+                            <a:rPr lang="en-US" sz="1000" b="1" i="1">
                               <a:latin typeface="Cambria Math"/>
                             </a:rPr>
                           </m:ctrlPr>
                         </m:dPr>
                         <m:e>
                           <m:r>
-                            <a:rPr lang="en-US" sz="900" b="1" i="1">
+                            <a:rPr lang="en-US" sz="1000" b="1" i="1">
                               <a:latin typeface="Cambria Math"/>
                             </a:rPr>
                             <m:t>𝑨</m:t>
@@ -6398,7 +6360,7 @@
                         </m:e>
                       </m:d>
                       <m:r>
-                        <a:rPr lang="en-US" sz="900" i="1">
+                        <a:rPr lang="en-US" sz="1000" i="1">
                           <a:latin typeface="Cambria Math"/>
                         </a:rPr>
                         <m:t>=</m:t>
@@ -6406,14 +6368,14 @@
                       <m:sSub>
                         <m:sSubPr>
                           <m:ctrlPr>
-                            <a:rPr lang="en-US" sz="900" i="1">
+                            <a:rPr lang="en-US" sz="1000" i="1">
                               <a:latin typeface="Cambria Math"/>
                             </a:rPr>
                           </m:ctrlPr>
                         </m:sSubPr>
                         <m:e>
                           <m:r>
-                            <a:rPr lang="en-US" sz="900" b="1" i="1">
+                            <a:rPr lang="en-US" sz="1000" b="1" i="1">
                               <a:latin typeface="Cambria Math"/>
                             </a:rPr>
                             <m:t>𝑰</m:t>
@@ -6423,14 +6385,14 @@
                           <m:sSub>
                             <m:sSubPr>
                               <m:ctrlPr>
-                                <a:rPr lang="en-US" sz="900" i="1">
+                                <a:rPr lang="en-US" sz="1000" i="1">
                                   <a:latin typeface="Cambria Math"/>
                                 </a:rPr>
                               </m:ctrlPr>
                             </m:sSubPr>
                             <m:e>
                               <m:r>
-                                <a:rPr lang="en-US" sz="900" i="1">
+                                <a:rPr lang="en-US" sz="1000" i="1">
                                   <a:latin typeface="Cambria Math"/>
                                 </a:rPr>
                                 <m:t>𝑁</m:t>
@@ -6438,7 +6400,7 @@
                             </m:e>
                             <m:sub>
                               <m:r>
-                                <a:rPr lang="en-US" sz="900" i="1">
+                                <a:rPr lang="en-US" sz="1000" i="1">
                                   <a:latin typeface="Cambria Math"/>
                                 </a:rPr>
                                 <m:t>𝑇</m:t>
@@ -6448,13 +6410,13 @@
                         </m:sub>
                       </m:sSub>
                       <m:r>
-                        <a:rPr lang="en-US" sz="900" i="1">
+                        <a:rPr lang="en-US" sz="1000" i="1">
                           <a:latin typeface="Cambria Math"/>
                         </a:rPr>
                         <m:t>−</m:t>
                       </m:r>
                       <m:r>
-                        <a:rPr lang="en-US" sz="900" b="1" i="1">
+                        <a:rPr lang="en-US" sz="1000" b="1" i="1">
                           <a:latin typeface="Cambria Math"/>
                         </a:rPr>
                         <m:t>𝑮</m:t>
@@ -6462,7 +6424,7 @@
                       <m:sSup>
                         <m:sSupPr>
                           <m:ctrlPr>
-                            <a:rPr lang="en-US" sz="900" b="1" i="1">
+                            <a:rPr lang="en-US" sz="1000" b="1" i="1">
                               <a:latin typeface="Cambria Math"/>
                             </a:rPr>
                           </m:ctrlPr>
@@ -6471,7 +6433,7 @@
                           <m:d>
                             <m:dPr>
                               <m:ctrlPr>
-                                <a:rPr lang="en-US" sz="900" b="1" i="1">
+                                <a:rPr lang="en-US" sz="1000" b="1" i="1">
                                   <a:latin typeface="Cambria Math"/>
                                 </a:rPr>
                               </m:ctrlPr>
@@ -6480,14 +6442,14 @@
                               <m:sSup>
                                 <m:sSupPr>
                                   <m:ctrlPr>
-                                    <a:rPr lang="en-US" sz="900" b="1" i="1">
+                                    <a:rPr lang="en-US" sz="1000" b="1" i="1">
                                       <a:latin typeface="Cambria Math"/>
                                     </a:rPr>
                                   </m:ctrlPr>
                                 </m:sSupPr>
                                 <m:e>
                                   <m:r>
-                                    <a:rPr lang="en-US" sz="900" b="1" i="1">
+                                    <a:rPr lang="en-US" sz="1000" b="1" i="1">
                                       <a:latin typeface="Cambria Math"/>
                                     </a:rPr>
                                     <m:t>𝑮</m:t>
@@ -6495,7 +6457,7 @@
                                 </m:e>
                                 <m:sup>
                                   <m:r>
-                                    <a:rPr lang="en-US" sz="900" b="1">
+                                    <a:rPr lang="en-US" sz="1000" b="1">
                                       <a:latin typeface="Cambria Math"/>
                                     </a:rPr>
                                     <m:t>𝐇</m:t>
@@ -6503,7 +6465,7 @@
                                 </m:sup>
                               </m:sSup>
                               <m:r>
-                                <a:rPr lang="en-US" sz="900" b="1" i="1">
+                                <a:rPr lang="en-US" sz="1000" b="1" i="1">
                                   <a:latin typeface="Cambria Math"/>
                                 </a:rPr>
                                 <m:t>𝑮</m:t>
@@ -6513,13 +6475,13 @@
                         </m:e>
                         <m:sup>
                           <m:r>
-                            <a:rPr lang="en-US" sz="900" b="1" i="1">
+                            <a:rPr lang="en-US" sz="1000" b="1" i="1">
                               <a:latin typeface="Cambria Math"/>
                             </a:rPr>
                             <m:t>−</m:t>
                           </m:r>
                           <m:r>
-                            <a:rPr lang="en-US" sz="900" b="1" i="1">
+                            <a:rPr lang="en-US" sz="1000" b="1" i="1">
                               <a:latin typeface="Cambria Math"/>
                             </a:rPr>
                             <m:t>𝟏</m:t>
@@ -6529,14 +6491,14 @@
                       <m:sSup>
                         <m:sSupPr>
                           <m:ctrlPr>
-                            <a:rPr lang="en-US" sz="900" b="1" i="1">
+                            <a:rPr lang="en-US" sz="1000" b="1" i="1">
                               <a:latin typeface="Cambria Math"/>
                             </a:rPr>
                           </m:ctrlPr>
                         </m:sSupPr>
                         <m:e>
                           <m:r>
-                            <a:rPr lang="en-US" sz="900" b="1" i="1">
+                            <a:rPr lang="en-US" sz="1000" b="1" i="1">
                               <a:latin typeface="Cambria Math"/>
                             </a:rPr>
                             <m:t>𝑮</m:t>
@@ -6544,7 +6506,7 @@
                         </m:e>
                         <m:sup>
                           <m:r>
-                            <a:rPr lang="en-US" sz="900" b="1">
+                            <a:rPr lang="en-US" sz="1000" b="1">
                               <a:latin typeface="Cambria Math"/>
                             </a:rPr>
                             <m:t>𝐇</m:t>
@@ -6554,12 +6516,12 @@
                     </m:oMath>
                   </m:oMathPara>
                 </a14:m>
-                <a:endParaRPr lang="en-US" sz="900" b="1" dirty="0"/>
+                <a:endParaRPr lang="en-US" sz="1000" b="1" dirty="0"/>
               </a:p>
             </p:txBody>
           </p:sp>
         </mc:Choice>
-        <mc:Fallback xmlns="">
+        <mc:Fallback>
           <p:sp>
             <p:nvSpPr>
               <p:cNvPr id="172" name="Rectangle 171"/>
@@ -6570,8 +6532,8 @@
             </p:nvSpPr>
             <p:spPr>
               <a:xfrm>
-                <a:off x="433389" y="8706229"/>
-                <a:ext cx="1605758" cy="457200"/>
+                <a:off x="491235" y="7891025"/>
+                <a:ext cx="1718567" cy="457200"/>
               </a:xfrm>
               <a:prstGeom prst="rect">
                 <a:avLst/>
@@ -6598,8 +6560,8 @@
           </p:sp>
         </mc:Fallback>
       </mc:AlternateContent>
-      <mc:AlternateContent xmlns:mc="http://schemas.openxmlformats.org/markup-compatibility/2006" xmlns:a14="http://schemas.microsoft.com/office/drawing/2010/main">
-        <mc:Choice Requires="a14">
+      <mc:AlternateContent xmlns:mc="http://schemas.openxmlformats.org/markup-compatibility/2006">
+        <mc:Choice xmlns:a14="http://schemas.microsoft.com/office/drawing/2010/main" Requires="a14">
           <p:sp>
             <p:nvSpPr>
               <p:cNvPr id="175" name="Rectangle 174"/>
@@ -6608,7 +6570,7 @@
             </p:nvSpPr>
             <p:spPr>
               <a:xfrm>
-                <a:off x="1752604" y="6172200"/>
+                <a:off x="1905002" y="5095268"/>
                 <a:ext cx="1886547" cy="685802"/>
               </a:xfrm>
               <a:prstGeom prst="rect">
@@ -6643,14 +6605,14 @@
                       <m:sSub>
                         <m:sSubPr>
                           <m:ctrlPr>
-                            <a:rPr lang="en-US" sz="900" i="1">
+                            <a:rPr lang="en-US" sz="1000" i="1" smtClean="0">
                               <a:latin typeface="Cambria Math"/>
                             </a:rPr>
                           </m:ctrlPr>
                         </m:sSubPr>
                         <m:e>
                           <m:r>
-                            <a:rPr lang="en-US" sz="900" i="1">
+                            <a:rPr lang="en-US" sz="1000" i="1">
                               <a:latin typeface="Cambria Math"/>
                             </a:rPr>
                             <m:t>𝑝</m:t>
@@ -6658,7 +6620,7 @@
                         </m:e>
                         <m:sub>
                           <m:r>
-                            <a:rPr lang="en-US" sz="900" i="1">
+                            <a:rPr lang="en-US" sz="1000" i="1">
                               <a:latin typeface="Cambria Math"/>
                             </a:rPr>
                             <m:t>𝑖</m:t>
@@ -6666,7 +6628,7 @@
                         </m:sub>
                       </m:sSub>
                       <m:r>
-                        <a:rPr lang="en-US" sz="900" i="1">
+                        <a:rPr lang="en-US" sz="1000" i="1">
                           <a:latin typeface="Cambria Math"/>
                         </a:rPr>
                         <m:t>=</m:t>
@@ -6675,7 +6637,7 @@
                         <m:naryPr>
                           <m:chr m:val="∏"/>
                           <m:ctrlPr>
-                            <a:rPr lang="en-US" sz="900" i="1">
+                            <a:rPr lang="en-US" sz="1000" i="1">
                               <a:latin typeface="Cambria Math"/>
                             </a:rPr>
                           </m:ctrlPr>
@@ -6685,13 +6647,13 @@
                             <m:rPr>
                               <m:brk m:alnAt="23"/>
                             </m:rPr>
-                            <a:rPr lang="en-US" sz="900" i="1">
+                            <a:rPr lang="en-US" sz="1000" i="1">
                               <a:latin typeface="Cambria Math"/>
                             </a:rPr>
                             <m:t>𝑖</m:t>
                           </m:r>
                           <m:r>
-                            <a:rPr lang="en-US" sz="900" i="1">
+                            <a:rPr lang="en-US" sz="1000" i="1">
                               <a:latin typeface="Cambria Math"/>
                             </a:rPr>
                             <m:t>=0</m:t>
@@ -6699,38 +6661,23 @@
                         </m:sub>
                         <m:sup>
                           <m:r>
-                            <m:rPr>
-                              <m:sty m:val="p"/>
-                            </m:rPr>
-                            <a:rPr lang="en-US" sz="900">
+                            <a:rPr lang="en-US" sz="1000" i="1" smtClean="0">
                               <a:latin typeface="Cambria Math"/>
                             </a:rPr>
-                            <m:t>col</m:t>
+                            <m:t>𝑛</m:t>
                           </m:r>
                           <m:r>
-                            <a:rPr lang="en-US" sz="900" i="1">
+                            <a:rPr lang="en-US" sz="1000" i="1">
                               <a:latin typeface="Cambria Math"/>
                             </a:rPr>
-                            <m:t>(</m:t>
-                          </m:r>
-                          <m:r>
-                            <a:rPr lang="en-US" sz="900" b="1" i="1">
-                              <a:latin typeface="Cambria Math"/>
-                            </a:rPr>
-                            <m:t>𝑮</m:t>
-                          </m:r>
-                          <m:r>
-                            <a:rPr lang="en-US" sz="900" i="1">
-                              <a:latin typeface="Cambria Math"/>
-                            </a:rPr>
-                            <m:t>)−1</m:t>
+                            <m:t>−1</m:t>
                           </m:r>
                         </m:sup>
                         <m:e>
                           <m:d>
                             <m:dPr>
                               <m:ctrlPr>
-                                <a:rPr lang="en-US" sz="900" i="1">
+                                <a:rPr lang="en-US" sz="1000" i="1">
                                   <a:latin typeface="Cambria Math"/>
                                 </a:rPr>
                               </m:ctrlPr>
@@ -6741,7 +6688,7 @@
                                   <m:begChr m:val="‖"/>
                                   <m:endChr m:val="‖"/>
                                   <m:ctrlPr>
-                                    <a:rPr lang="en-US" sz="900" i="1">
+                                    <a:rPr lang="en-US" sz="1000" i="1">
                                       <a:latin typeface="Cambria Math"/>
                                     </a:rPr>
                                   </m:ctrlPr>
@@ -6750,14 +6697,14 @@
                                   <m:sSub>
                                     <m:sSubPr>
                                       <m:ctrlPr>
-                                        <a:rPr lang="en-US" sz="900" i="1">
+                                        <a:rPr lang="en-US" sz="1000" i="1">
                                           <a:latin typeface="Cambria Math"/>
                                         </a:rPr>
                                       </m:ctrlPr>
                                     </m:sSubPr>
                                     <m:e>
                                       <m:r>
-                                        <a:rPr lang="en-US" sz="900" b="1" i="1">
+                                        <a:rPr lang="en-US" sz="1000" b="1" i="1">
                                           <a:latin typeface="Cambria Math"/>
                                         </a:rPr>
                                         <m:t>𝒉</m:t>
@@ -6765,7 +6712,7 @@
                                     </m:e>
                                     <m:sub>
                                       <m:r>
-                                        <a:rPr lang="en-US" sz="900" i="1">
+                                        <a:rPr lang="en-US" sz="1000" i="1">
                                           <a:latin typeface="Cambria Math"/>
                                         </a:rPr>
                                         <m:t>𝑖</m:t>
@@ -6775,7 +6722,7 @@
                                 </m:e>
                               </m:d>
                               <m:r>
-                                <a:rPr lang="en-US" sz="900" i="1">
+                                <a:rPr lang="en-US" sz="1000" i="1">
                                   <a:latin typeface="Cambria Math"/>
                                 </a:rPr>
                                 <m:t> − </m:t>
@@ -6785,7 +6732,7 @@
                                   <m:begChr m:val="|"/>
                                   <m:endChr m:val="|"/>
                                   <m:ctrlPr>
-                                    <a:rPr lang="en-US" sz="900" i="1">
+                                    <a:rPr lang="en-US" sz="1000" i="1">
                                       <a:latin typeface="Cambria Math"/>
                                     </a:rPr>
                                   </m:ctrlPr>
@@ -6794,14 +6741,14 @@
                                   <m:sSup>
                                     <m:sSupPr>
                                       <m:ctrlPr>
-                                        <a:rPr lang="en-US" sz="900" i="1">
+                                        <a:rPr lang="en-US" sz="1000" i="1">
                                           <a:latin typeface="Cambria Math"/>
                                         </a:rPr>
                                       </m:ctrlPr>
                                     </m:sSupPr>
                                     <m:e>
                                       <m:r>
-                                        <a:rPr lang="en-US" sz="900" b="1" i="1">
+                                        <a:rPr lang="en-US" sz="1000" b="1" i="1">
                                           <a:latin typeface="Cambria Math"/>
                                         </a:rPr>
                                         <m:t>𝑮</m:t>
@@ -6809,20 +6756,20 @@
                                       <m:d>
                                         <m:dPr>
                                           <m:ctrlPr>
-                                            <a:rPr lang="en-US" sz="900" i="1">
+                                            <a:rPr lang="en-US" sz="1000" i="1">
                                               <a:latin typeface="Cambria Math"/>
                                             </a:rPr>
                                           </m:ctrlPr>
                                         </m:dPr>
                                         <m:e>
                                           <m:r>
-                                            <a:rPr lang="en-US" sz="900" i="1">
+                                            <a:rPr lang="en-US" sz="1000" i="1">
                                               <a:latin typeface="Cambria Math"/>
                                             </a:rPr>
                                             <m:t>:,</m:t>
                                           </m:r>
                                           <m:r>
-                                            <a:rPr lang="en-US" sz="900" i="1">
+                                            <a:rPr lang="en-US" sz="1000" i="1">
                                               <a:latin typeface="Cambria Math"/>
                                             </a:rPr>
                                             <m:t>𝑖</m:t>
@@ -6835,7 +6782,7 @@
                                         <m:rPr>
                                           <m:sty m:val="p"/>
                                         </m:rPr>
-                                        <a:rPr lang="en-US" sz="900">
+                                        <a:rPr lang="en-US" sz="1000">
                                           <a:latin typeface="Cambria Math"/>
                                         </a:rPr>
                                         <m:t>H</m:t>
@@ -6845,14 +6792,14 @@
                                   <m:sSub>
                                     <m:sSubPr>
                                       <m:ctrlPr>
-                                        <a:rPr lang="en-US" sz="900" i="1">
+                                        <a:rPr lang="en-US" sz="1000" i="1">
                                           <a:latin typeface="Cambria Math"/>
                                         </a:rPr>
                                       </m:ctrlPr>
                                     </m:sSubPr>
                                     <m:e>
                                       <m:r>
-                                        <a:rPr lang="en-US" sz="900" b="1" i="1">
+                                        <a:rPr lang="en-US" sz="1000" b="1" i="1">
                                           <a:latin typeface="Cambria Math"/>
                                         </a:rPr>
                                         <m:t>𝒉</m:t>
@@ -6860,7 +6807,7 @@
                                     </m:e>
                                     <m:sub>
                                       <m:r>
-                                        <a:rPr lang="en-US" sz="900" i="1">
+                                        <a:rPr lang="en-US" sz="1000" i="1">
                                           <a:latin typeface="Cambria Math"/>
                                         </a:rPr>
                                         <m:t>𝑖</m:t>
@@ -6876,12 +6823,12 @@
                     </m:oMath>
                   </m:oMathPara>
                 </a14:m>
-                <a:endParaRPr lang="en-US" sz="900" b="1" dirty="0"/>
+                <a:endParaRPr lang="en-US" sz="1000" b="1" dirty="0"/>
               </a:p>
             </p:txBody>
           </p:sp>
         </mc:Choice>
-        <mc:Fallback xmlns="">
+        <mc:Fallback>
           <p:sp>
             <p:nvSpPr>
               <p:cNvPr id="175" name="Rectangle 174"/>
@@ -6892,7 +6839,7 @@
             </p:nvSpPr>
             <p:spPr>
               <a:xfrm>
-                <a:off x="1752604" y="6172200"/>
+                <a:off x="1905002" y="5095268"/>
                 <a:ext cx="1886547" cy="685802"/>
               </a:xfrm>
               <a:prstGeom prst="rect">
@@ -6920,8 +6867,8 @@
           </p:sp>
         </mc:Fallback>
       </mc:AlternateContent>
-      <mc:AlternateContent xmlns:mc="http://schemas.openxmlformats.org/markup-compatibility/2006" xmlns:a14="http://schemas.microsoft.com/office/drawing/2010/main">
-        <mc:Choice Requires="a14">
+      <mc:AlternateContent xmlns:mc="http://schemas.openxmlformats.org/markup-compatibility/2006">
+        <mc:Choice xmlns:a14="http://schemas.microsoft.com/office/drawing/2010/main" Requires="a14">
           <p:sp>
             <p:nvSpPr>
               <p:cNvPr id="176" name="Rectangle 175"/>
@@ -6930,7 +6877,7 @@
             </p:nvSpPr>
             <p:spPr>
               <a:xfrm>
-                <a:off x="2128243" y="7086600"/>
+                <a:off x="1414871" y="6175934"/>
                 <a:ext cx="1135263" cy="476121"/>
               </a:xfrm>
               <a:prstGeom prst="rect">
@@ -6966,14 +6913,14 @@
                         <m:accPr>
                           <m:chr m:val="̅"/>
                           <m:ctrlPr>
-                            <a:rPr lang="en-US" sz="900" i="1">
+                            <a:rPr lang="en-US" sz="1000" i="1">
                               <a:latin typeface="Cambria Math"/>
                             </a:rPr>
                           </m:ctrlPr>
                         </m:accPr>
                         <m:e>
                           <m:r>
-                            <a:rPr lang="en-US" sz="900" i="1">
+                            <a:rPr lang="en-US" sz="1000" i="1">
                               <a:latin typeface="Cambria Math"/>
                             </a:rPr>
                             <m:t>𝑢</m:t>
@@ -6981,7 +6928,7 @@
                         </m:e>
                       </m:acc>
                       <m:r>
-                        <a:rPr lang="en-US" sz="900" i="1">
+                        <a:rPr lang="en-US" sz="1000" i="1">
                           <a:latin typeface="Cambria Math"/>
                         </a:rPr>
                         <m:t>= </m:t>
@@ -6989,7 +6936,7 @@
                       <m:func>
                         <m:funcPr>
                           <m:ctrlPr>
-                            <a:rPr lang="en-US" sz="900" i="1">
+                            <a:rPr lang="en-US" sz="1000" i="1">
                               <a:latin typeface="Cambria Math"/>
                             </a:rPr>
                           </m:ctrlPr>
@@ -6998,7 +6945,7 @@
                           <m:limLow>
                             <m:limLowPr>
                               <m:ctrlPr>
-                                <a:rPr lang="en-US" sz="900" i="1">
+                                <a:rPr lang="en-US" sz="1000" i="1">
                                   <a:latin typeface="Cambria Math"/>
                                 </a:rPr>
                               </m:ctrlPr>
@@ -7008,7 +6955,7 @@
                                 <m:rPr>
                                   <m:sty m:val="p"/>
                                 </m:rPr>
-                                <a:rPr lang="en-US" sz="900">
+                                <a:rPr lang="en-US" sz="1000">
                                   <a:latin typeface="Cambria Math"/>
                                 </a:rPr>
                                 <m:t>max</m:t>
@@ -7016,27 +6963,27 @@
                             </m:e>
                             <m:lim>
                               <m:r>
-                                <a:rPr lang="en-US" sz="900" i="1">
+                                <a:rPr lang="en-US" sz="1000" i="1">
                                   <a:latin typeface="Cambria Math"/>
                                 </a:rPr>
                                 <m:t>𝑖</m:t>
                               </m:r>
                               <m:r>
-                                <a:rPr lang="en-US" sz="900" i="1">
+                                <a:rPr lang="en-US" sz="1000" i="1">
                                   <a:latin typeface="Cambria Math"/>
                                   <a:ea typeface="Cambria Math"/>
                                 </a:rPr>
                                 <m:t>∈</m:t>
                               </m:r>
                               <m:r>
-                                <a:rPr lang="en-US" sz="900" i="1">
+                                <a:rPr lang="en-US" sz="1000" i="1">
                                   <a:latin typeface="Cambria Math"/>
                                   <a:ea typeface="Cambria Math"/>
                                 </a:rPr>
                                 <m:t>𝑈</m:t>
                               </m:r>
                               <m:r>
-                                <a:rPr lang="en-US" sz="900" i="1">
+                                <a:rPr lang="en-US" sz="1000" i="1">
                                   <a:latin typeface="Cambria Math"/>
                                   <a:ea typeface="Cambria Math"/>
                                 </a:rPr>
@@ -7046,7 +6993,7 @@
                                 <m:rPr>
                                   <m:sty m:val="p"/>
                                 </m:rPr>
-                                <a:rPr lang="en-US" sz="900" i="1">
+                                <a:rPr lang="en-US" sz="1000" i="1">
                                   <a:latin typeface="Cambria Math"/>
                                   <a:ea typeface="Cambria Math"/>
                                 </a:rPr>
@@ -7061,7 +7008,7 @@
                               <m:begChr m:val="‖"/>
                               <m:endChr m:val="‖"/>
                               <m:ctrlPr>
-                                <a:rPr lang="en-US" sz="900" i="1">
+                                <a:rPr lang="en-US" sz="1000" i="1">
                                   <a:latin typeface="Cambria Math"/>
                                 </a:rPr>
                               </m:ctrlPr>
@@ -7070,14 +7017,14 @@
                               <m:sSub>
                                 <m:sSubPr>
                                   <m:ctrlPr>
-                                    <a:rPr lang="en-US" sz="900" i="1">
+                                    <a:rPr lang="en-US" sz="1000" i="1">
                                       <a:latin typeface="Cambria Math"/>
                                     </a:rPr>
                                   </m:ctrlPr>
                                 </m:sSubPr>
                                 <m:e>
                                   <m:r>
-                                    <a:rPr lang="en-US" sz="900" i="1">
+                                    <a:rPr lang="en-US" sz="1000" i="1">
                                       <a:latin typeface="Cambria Math"/>
                                     </a:rPr>
                                     <m:t>𝑝</m:t>
@@ -7085,7 +7032,7 @@
                                 </m:e>
                                 <m:sub>
                                   <m:r>
-                                    <a:rPr lang="en-US" sz="900" i="1">
+                                    <a:rPr lang="en-US" sz="1000" i="1">
                                       <a:latin typeface="Cambria Math"/>
                                     </a:rPr>
                                     <m:t>𝑖</m:t>
@@ -7099,12 +7046,12 @@
                     </m:oMath>
                   </m:oMathPara>
                 </a14:m>
-                <a:endParaRPr lang="en-US" sz="900" dirty="0"/>
+                <a:endParaRPr lang="en-US" sz="1000" dirty="0"/>
               </a:p>
             </p:txBody>
           </p:sp>
         </mc:Choice>
-        <mc:Fallback xmlns="">
+        <mc:Fallback>
           <p:sp>
             <p:nvSpPr>
               <p:cNvPr id="176" name="Rectangle 175"/>
@@ -7115,7 +7062,7 @@
             </p:nvSpPr>
             <p:spPr>
               <a:xfrm>
-                <a:off x="2128243" y="7086600"/>
+                <a:off x="1414871" y="6175934"/>
                 <a:ext cx="1135263" cy="476121"/>
               </a:xfrm>
               <a:prstGeom prst="rect">
@@ -7143,8 +7090,8 @@
           </p:sp>
         </mc:Fallback>
       </mc:AlternateContent>
-      <mc:AlternateContent xmlns:mc="http://schemas.openxmlformats.org/markup-compatibility/2006" xmlns:a14="http://schemas.microsoft.com/office/drawing/2010/main">
-        <mc:Choice Requires="a14">
+      <mc:AlternateContent xmlns:mc="http://schemas.openxmlformats.org/markup-compatibility/2006">
+        <mc:Choice xmlns:a14="http://schemas.microsoft.com/office/drawing/2010/main" Requires="a14">
           <p:sp>
             <p:nvSpPr>
               <p:cNvPr id="177" name="Flowchart: Decision 176"/>
@@ -7153,7 +7100,7 @@
             </p:nvSpPr>
             <p:spPr>
               <a:xfrm>
-                <a:off x="446090" y="7619999"/>
+                <a:off x="475662" y="6942510"/>
                 <a:ext cx="1190625" cy="624287"/>
               </a:xfrm>
               <a:prstGeom prst="flowChartDecision">
@@ -7190,14 +7137,14 @@
                           <m:begChr m:val="|"/>
                           <m:endChr m:val="|"/>
                           <m:ctrlPr>
-                            <a:rPr lang="en-US" sz="800" i="1">
+                            <a:rPr lang="en-US" sz="1000" i="1">
                               <a:latin typeface="Cambria Math"/>
                             </a:rPr>
                           </m:ctrlPr>
                         </m:dPr>
                         <m:e>
                           <m:r>
-                            <a:rPr lang="en-US" sz="800" i="1">
+                            <a:rPr lang="en-US" sz="1000" i="1">
                               <a:latin typeface="Cambria Math"/>
                             </a:rPr>
                             <m:t>𝐴</m:t>
@@ -7205,7 +7152,7 @@
                         </m:e>
                       </m:d>
                       <m:r>
-                        <a:rPr lang="en-US" sz="800" i="1">
+                        <a:rPr lang="en-US" sz="1000" i="1">
                           <a:latin typeface="Cambria Math"/>
                         </a:rPr>
                         <m:t>=4</m:t>
@@ -7213,12 +7160,12 @@
                     </m:oMath>
                   </m:oMathPara>
                 </a14:m>
-                <a:endParaRPr lang="en-US" sz="800" dirty="0"/>
+                <a:endParaRPr lang="en-US" sz="1000" dirty="0"/>
               </a:p>
             </p:txBody>
           </p:sp>
         </mc:Choice>
-        <mc:Fallback xmlns="">
+        <mc:Fallback>
           <p:sp>
             <p:nvSpPr>
               <p:cNvPr id="177" name="Flowchart: Decision 176"/>
@@ -7229,7 +7176,7 @@
             </p:nvSpPr>
             <p:spPr>
               <a:xfrm>
-                <a:off x="446090" y="7619999"/>
+                <a:off x="475662" y="6942510"/>
                 <a:ext cx="1190625" cy="624287"/>
               </a:xfrm>
               <a:prstGeom prst="flowChartDecision">
@@ -7268,8 +7215,8 @@
         </p:nvCxnSpPr>
         <p:spPr>
           <a:xfrm rot="10800000" flipV="1">
-            <a:off x="838202" y="4617324"/>
-            <a:ext cx="797719" cy="1720490"/>
+            <a:off x="867771" y="3912204"/>
+            <a:ext cx="1180752" cy="1610406"/>
           </a:xfrm>
           <a:prstGeom prst="bentConnector2">
             <a:avLst/>
@@ -7304,13 +7251,13 @@
         </p:nvCxnSpPr>
         <p:spPr>
           <a:xfrm flipV="1">
-            <a:off x="1385294" y="6172198"/>
-            <a:ext cx="1310580" cy="407432"/>
+            <a:off x="1414864" y="5095269"/>
+            <a:ext cx="1433410" cy="669159"/>
           </a:xfrm>
           <a:prstGeom prst="bentConnector4">
             <a:avLst>
-              <a:gd name="adj1" fmla="val 14013"/>
-              <a:gd name="adj2" fmla="val 156108"/>
+              <a:gd name="adj1" fmla="val 17097"/>
+              <a:gd name="adj2" fmla="val 134162"/>
             </a:avLst>
           </a:prstGeom>
           <a:ln>
@@ -7332,42 +7279,6 @@
           </a:fontRef>
         </p:style>
       </p:cxnSp>
-      <p:cxnSp>
-        <p:nvCxnSpPr>
-          <p:cNvPr id="188" name="Straight Arrow Connector 187"/>
-          <p:cNvCxnSpPr>
-            <a:stCxn id="175" idx="2"/>
-            <a:endCxn id="176" idx="0"/>
-          </p:cNvCxnSpPr>
-          <p:nvPr/>
-        </p:nvCxnSpPr>
-        <p:spPr>
-          <a:xfrm>
-            <a:off x="2695875" y="6857998"/>
-            <a:ext cx="0" cy="228600"/>
-          </a:xfrm>
-          <a:prstGeom prst="straightConnector1">
-            <a:avLst/>
-          </a:prstGeom>
-          <a:ln>
-            <a:tailEnd type="triangle"/>
-          </a:ln>
-        </p:spPr>
-        <p:style>
-          <a:lnRef idx="1">
-            <a:schemeClr val="accent1"/>
-          </a:lnRef>
-          <a:fillRef idx="0">
-            <a:schemeClr val="accent1"/>
-          </a:fillRef>
-          <a:effectRef idx="0">
-            <a:schemeClr val="accent1"/>
-          </a:effectRef>
-          <a:fontRef idx="minor">
-            <a:schemeClr val="tx1"/>
-          </a:fontRef>
-        </p:style>
-      </p:cxnSp>
       <mc:AlternateContent xmlns:mc="http://schemas.openxmlformats.org/markup-compatibility/2006">
         <mc:Choice xmlns:a14="http://schemas.microsoft.com/office/drawing/2010/main" Requires="a14">
           <p:sp>
@@ -7378,7 +7289,7 @@
             </p:nvSpPr>
             <p:spPr>
               <a:xfrm>
-                <a:off x="2438400" y="8699689"/>
+                <a:off x="2467970" y="7884486"/>
                 <a:ext cx="1200150" cy="470280"/>
               </a:xfrm>
               <a:prstGeom prst="rect">
@@ -7413,14 +7324,14 @@
                       <m:sSub>
                         <m:sSubPr>
                           <m:ctrlPr>
-                            <a:rPr lang="en-US" sz="900" i="1" smtClean="0">
+                            <a:rPr lang="en-US" sz="1000" i="1" smtClean="0">
                               <a:latin typeface="Cambria Math"/>
                             </a:rPr>
                           </m:ctrlPr>
                         </m:sSubPr>
                         <m:e>
                           <m:r>
-                            <a:rPr lang="en-US" sz="900" b="1" i="1">
+                            <a:rPr lang="en-US" sz="1000" b="1" i="1">
                               <a:latin typeface="Cambria Math"/>
                             </a:rPr>
                             <m:t>𝒉</m:t>
@@ -7428,7 +7339,7 @@
                         </m:e>
                         <m:sub>
                           <m:r>
-                            <a:rPr lang="en-US" sz="900" i="1">
+                            <a:rPr lang="en-US" sz="1000" i="1">
                               <a:latin typeface="Cambria Math"/>
                             </a:rPr>
                             <m:t>𝑖</m:t>
@@ -7436,13 +7347,13 @@
                         </m:sub>
                       </m:sSub>
                       <m:r>
-                        <a:rPr lang="en-US" sz="900" i="1">
+                        <a:rPr lang="en-US" sz="1000" i="1">
                           <a:latin typeface="Cambria Math"/>
                         </a:rPr>
                         <m:t>=</m:t>
                       </m:r>
                       <m:r>
-                        <a:rPr lang="en-US" sz="900" b="1" i="1">
+                        <a:rPr lang="en-US" sz="1000" b="1" i="1">
                           <a:latin typeface="Cambria Math"/>
                         </a:rPr>
                         <m:t>𝑵</m:t>
@@ -7450,14 +7361,14 @@
                       <m:d>
                         <m:dPr>
                           <m:ctrlPr>
-                            <a:rPr lang="en-US" sz="900" i="1">
+                            <a:rPr lang="en-US" sz="1000" i="1">
                               <a:latin typeface="Cambria Math"/>
                             </a:rPr>
                           </m:ctrlPr>
                         </m:dPr>
                         <m:e>
                           <m:r>
-                            <a:rPr lang="en-US" sz="900" b="1" i="1">
+                            <a:rPr lang="en-US" sz="1000" b="1" i="1">
                               <a:latin typeface="Cambria Math"/>
                             </a:rPr>
                             <m:t>𝑨</m:t>
@@ -7467,14 +7378,14 @@
                       <m:sSub>
                         <m:sSubPr>
                           <m:ctrlPr>
-                            <a:rPr lang="en-US" sz="900" i="1">
+                            <a:rPr lang="en-US" sz="1000" i="1">
                               <a:latin typeface="Cambria Math"/>
                             </a:rPr>
                           </m:ctrlPr>
                         </m:sSubPr>
                         <m:e>
                           <m:r>
-                            <a:rPr lang="en-US" sz="900" b="1" i="1">
+                            <a:rPr lang="en-US" sz="1000" b="1" i="1">
                               <a:latin typeface="Cambria Math"/>
                             </a:rPr>
                             <m:t>𝒉</m:t>
@@ -7482,7 +7393,7 @@
                         </m:e>
                         <m:sub>
                           <m:r>
-                            <a:rPr lang="en-US" sz="900" i="1">
+                            <a:rPr lang="en-US" sz="1000" i="1">
                               <a:latin typeface="Cambria Math"/>
                             </a:rPr>
                             <m:t>𝑖</m:t>
@@ -7490,20 +7401,20 @@
                         </m:sub>
                       </m:sSub>
                       <m:r>
-                        <a:rPr lang="en-US" sz="900" i="1">
+                        <a:rPr lang="en-US" sz="1000" i="1">
                           <a:latin typeface="Cambria Math"/>
                         </a:rPr>
                         <m:t>,</m:t>
                       </m:r>
                       <m:r>
-                        <a:rPr lang="en-US" sz="900" i="1">
+                        <a:rPr lang="en-US" sz="1000" i="1">
                           <a:latin typeface="Cambria Math"/>
                           <a:ea typeface="Cambria Math"/>
                         </a:rPr>
                         <m:t>∀</m:t>
                       </m:r>
                       <m:r>
-                        <a:rPr lang="en-US" sz="900" i="1">
+                        <a:rPr lang="en-US" sz="1000" i="1">
                           <a:latin typeface="Cambria Math"/>
                           <a:ea typeface="Cambria Math"/>
                         </a:rPr>
@@ -7512,7 +7423,7 @@
                     </m:oMath>
                   </m:oMathPara>
                 </a14:m>
-                <a:endParaRPr lang="en-US" sz="900" dirty="0"/>
+                <a:endParaRPr lang="en-US" sz="1000" dirty="0"/>
               </a:p>
               <a:p>
                 <a:pPr algn="ctr"/>
@@ -7523,25 +7434,25 @@
                     </m:oMathParaPr>
                     <m:oMath xmlns:m="http://schemas.openxmlformats.org/officeDocument/2006/math">
                       <m:r>
-                        <a:rPr lang="en-US" sz="900" b="1" i="1">
+                        <a:rPr lang="en-US" sz="1000" b="1" i="1">
                           <a:latin typeface="Cambria Math"/>
                         </a:rPr>
                         <m:t>𝑮</m:t>
                       </m:r>
                       <m:r>
-                        <a:rPr lang="en-US" sz="900" i="1">
+                        <a:rPr lang="en-US" sz="1000" i="1">
                           <a:latin typeface="Cambria Math"/>
                         </a:rPr>
                         <m:t>=[</m:t>
                       </m:r>
                       <m:r>
-                        <a:rPr lang="en-US" sz="900" b="0" i="1" smtClean="0">
+                        <a:rPr lang="en-US" sz="1000" b="0" i="1" smtClean="0">
                           <a:latin typeface="Cambria Math"/>
                         </a:rPr>
                         <m:t> </m:t>
                       </m:r>
                       <m:r>
-                        <a:rPr lang="en-US" sz="900" i="1">
+                        <a:rPr lang="en-US" sz="1000" i="1">
                           <a:latin typeface="Cambria Math"/>
                         </a:rPr>
                         <m:t>]</m:t>
@@ -7549,7 +7460,7 @@
                     </m:oMath>
                   </m:oMathPara>
                 </a14:m>
-                <a:endParaRPr lang="en-US" sz="1100" b="1" dirty="0"/>
+                <a:endParaRPr lang="en-US" sz="1200" b="1" dirty="0"/>
               </a:p>
             </p:txBody>
           </p:sp>
@@ -7565,7 +7476,7 @@
             </p:nvSpPr>
             <p:spPr>
               <a:xfrm>
-                <a:off x="2438400" y="8699689"/>
+                <a:off x="2467970" y="7884486"/>
                 <a:ext cx="1200150" cy="470280"/>
               </a:xfrm>
               <a:prstGeom prst="rect">
@@ -7598,13 +7509,14 @@
           <p:cNvPr id="196" name="Elbow Connector 195"/>
           <p:cNvCxnSpPr>
             <a:stCxn id="177" idx="2"/>
+            <a:endCxn id="172" idx="0"/>
           </p:cNvCxnSpPr>
           <p:nvPr/>
         </p:nvCxnSpPr>
         <p:spPr>
           <a:xfrm rot="16200000" flipH="1">
-            <a:off x="914405" y="8371284"/>
-            <a:ext cx="448860" cy="194866"/>
+            <a:off x="1048632" y="7589138"/>
+            <a:ext cx="324229" cy="279544"/>
           </a:xfrm>
           <a:prstGeom prst="bentConnector3">
             <a:avLst/>
@@ -7639,8 +7551,8 @@
         </p:nvCxnSpPr>
         <p:spPr>
           <a:xfrm>
-            <a:off x="2039147" y="8934829"/>
-            <a:ext cx="399253" cy="0"/>
+            <a:off x="2209800" y="8119625"/>
+            <a:ext cx="258170" cy="0"/>
           </a:xfrm>
           <a:prstGeom prst="straightConnector1">
             <a:avLst/>
@@ -7675,8 +7587,8 @@
         </p:nvCxnSpPr>
         <p:spPr>
           <a:xfrm rot="10800000" flipV="1">
-            <a:off x="1041403" y="7324661"/>
-            <a:ext cx="1086840" cy="295338"/>
+            <a:off x="1070973" y="6413994"/>
+            <a:ext cx="343896" cy="528515"/>
           </a:xfrm>
           <a:prstGeom prst="bentConnector2">
             <a:avLst/>
@@ -7700,8 +7612,8 @@
           </a:fontRef>
         </p:style>
       </p:cxnSp>
-      <mc:AlternateContent xmlns:mc="http://schemas.openxmlformats.org/markup-compatibility/2006" xmlns:a14="http://schemas.microsoft.com/office/drawing/2010/main">
-        <mc:Choice Requires="a14">
+      <mc:AlternateContent xmlns:mc="http://schemas.openxmlformats.org/markup-compatibility/2006">
+        <mc:Choice xmlns:a14="http://schemas.microsoft.com/office/drawing/2010/main" Requires="a14">
           <p:sp>
             <p:nvSpPr>
               <p:cNvPr id="255" name="TextBox 254"/>
@@ -7710,7 +7622,7 @@
             </p:nvSpPr>
             <p:spPr>
               <a:xfrm>
-                <a:off x="985839" y="4619999"/>
+                <a:off x="1589390" y="3692339"/>
                 <a:ext cx="676274" cy="223050"/>
               </a:xfrm>
               <a:prstGeom prst="rect">
@@ -7748,7 +7660,7 @@
             </p:txBody>
           </p:sp>
         </mc:Choice>
-        <mc:Fallback xmlns="">
+        <mc:Fallback>
           <p:sp>
             <p:nvSpPr>
               <p:cNvPr id="255" name="TextBox 254"/>
@@ -7759,7 +7671,7 @@
             </p:nvSpPr>
             <p:spPr>
               <a:xfrm>
-                <a:off x="985839" y="4619999"/>
+                <a:off x="1589390" y="3692339"/>
                 <a:ext cx="676274" cy="223050"/>
               </a:xfrm>
               <a:prstGeom prst="rect">
@@ -7787,8 +7699,8 @@
           </p:sp>
         </mc:Fallback>
       </mc:AlternateContent>
-      <mc:AlternateContent xmlns:mc="http://schemas.openxmlformats.org/markup-compatibility/2006" xmlns:a14="http://schemas.microsoft.com/office/drawing/2010/main">
-        <mc:Choice Requires="a14">
+      <mc:AlternateContent xmlns:mc="http://schemas.openxmlformats.org/markup-compatibility/2006">
+        <mc:Choice xmlns:a14="http://schemas.microsoft.com/office/drawing/2010/main" Requires="a14">
           <p:sp>
             <p:nvSpPr>
               <p:cNvPr id="260" name="TextBox 259"/>
@@ -7797,7 +7709,7 @@
             </p:nvSpPr>
             <p:spPr>
               <a:xfrm>
-                <a:off x="2133605" y="805337"/>
+                <a:off x="2133607" y="843750"/>
                 <a:ext cx="264119" cy="223050"/>
               </a:xfrm>
               <a:prstGeom prst="rect">
@@ -7835,7 +7747,7 @@
             </p:txBody>
           </p:sp>
         </mc:Choice>
-        <mc:Fallback xmlns="">
+        <mc:Fallback>
           <p:sp>
             <p:nvSpPr>
               <p:cNvPr id="260" name="TextBox 259"/>
@@ -7846,7 +7758,7 @@
             </p:nvSpPr>
             <p:spPr>
               <a:xfrm>
-                <a:off x="2133605" y="805337"/>
+                <a:off x="2133607" y="843750"/>
                 <a:ext cx="264119" cy="223050"/>
               </a:xfrm>
               <a:prstGeom prst="rect">
@@ -7874,8 +7786,8 @@
           </p:sp>
         </mc:Fallback>
       </mc:AlternateContent>
-      <mc:AlternateContent xmlns:mc="http://schemas.openxmlformats.org/markup-compatibility/2006" xmlns:a14="http://schemas.microsoft.com/office/drawing/2010/main">
-        <mc:Choice Requires="a14">
+      <mc:AlternateContent xmlns:mc="http://schemas.openxmlformats.org/markup-compatibility/2006">
+        <mc:Choice xmlns:a14="http://schemas.microsoft.com/office/drawing/2010/main" Requires="a14">
           <p:sp>
             <p:nvSpPr>
               <p:cNvPr id="261" name="TextBox 260"/>
@@ -7884,7 +7796,7 @@
             </p:nvSpPr>
             <p:spPr>
               <a:xfrm>
-                <a:off x="838204" y="3535381"/>
+                <a:off x="735712" y="2933785"/>
                 <a:ext cx="264119" cy="223050"/>
               </a:xfrm>
               <a:prstGeom prst="rect">
@@ -7922,7 +7834,7 @@
             </p:txBody>
           </p:sp>
         </mc:Choice>
-        <mc:Fallback xmlns="">
+        <mc:Fallback>
           <p:sp>
             <p:nvSpPr>
               <p:cNvPr id="261" name="TextBox 260"/>
@@ -7933,14 +7845,14 @@
             </p:nvSpPr>
             <p:spPr>
               <a:xfrm>
-                <a:off x="838204" y="3535381"/>
+                <a:off x="735712" y="2933785"/>
                 <a:ext cx="264119" cy="223050"/>
               </a:xfrm>
               <a:prstGeom prst="rect">
                 <a:avLst/>
               </a:prstGeom>
               <a:blipFill rotWithShape="1">
-                <a:blip r:embed="rId26"/>
+                <a:blip r:embed="rId25"/>
                 <a:stretch>
                   <a:fillRect/>
                 </a:stretch>
@@ -7961,8 +7873,8 @@
           </p:sp>
         </mc:Fallback>
       </mc:AlternateContent>
-      <mc:AlternateContent xmlns:mc="http://schemas.openxmlformats.org/markup-compatibility/2006" xmlns:a14="http://schemas.microsoft.com/office/drawing/2010/main">
-        <mc:Choice Requires="a14">
+      <mc:AlternateContent xmlns:mc="http://schemas.openxmlformats.org/markup-compatibility/2006">
+        <mc:Choice xmlns:a14="http://schemas.microsoft.com/office/drawing/2010/main" Requires="a14">
           <p:sp>
             <p:nvSpPr>
               <p:cNvPr id="262" name="TextBox 261"/>
@@ -7971,7 +7883,7 @@
             </p:nvSpPr>
             <p:spPr>
               <a:xfrm>
-                <a:off x="838204" y="8295535"/>
+                <a:off x="836027" y="7505859"/>
                 <a:ext cx="264119" cy="223050"/>
               </a:xfrm>
               <a:prstGeom prst="rect">
@@ -8009,7 +7921,7 @@
             </p:txBody>
           </p:sp>
         </mc:Choice>
-        <mc:Fallback xmlns="">
+        <mc:Fallback>
           <p:sp>
             <p:nvSpPr>
               <p:cNvPr id="262" name="TextBox 261"/>
@@ -8020,14 +7932,14 @@
             </p:nvSpPr>
             <p:spPr>
               <a:xfrm>
-                <a:off x="838204" y="8295535"/>
+                <a:off x="836027" y="7505859"/>
                 <a:ext cx="264119" cy="223050"/>
               </a:xfrm>
               <a:prstGeom prst="rect">
                 <a:avLst/>
               </a:prstGeom>
               <a:blipFill rotWithShape="1">
-                <a:blip r:embed="rId27"/>
+                <a:blip r:embed="rId25"/>
                 <a:stretch>
                   <a:fillRect/>
                 </a:stretch>
@@ -8048,8 +7960,8 @@
           </p:sp>
         </mc:Fallback>
       </mc:AlternateContent>
-      <mc:AlternateContent xmlns:mc="http://schemas.openxmlformats.org/markup-compatibility/2006" xmlns:a14="http://schemas.microsoft.com/office/drawing/2010/main">
-        <mc:Choice Requires="a14">
+      <mc:AlternateContent xmlns:mc="http://schemas.openxmlformats.org/markup-compatibility/2006">
+        <mc:Choice xmlns:a14="http://schemas.microsoft.com/office/drawing/2010/main" Requires="a14">
           <p:sp>
             <p:nvSpPr>
               <p:cNvPr id="271" name="TextBox 270"/>
@@ -8058,7 +7970,7 @@
             </p:nvSpPr>
             <p:spPr>
               <a:xfrm>
-                <a:off x="1620545" y="7716701"/>
+                <a:off x="1599612" y="7235796"/>
                 <a:ext cx="264119" cy="223050"/>
               </a:xfrm>
               <a:prstGeom prst="rect">
@@ -8096,7 +8008,7 @@
             </p:txBody>
           </p:sp>
         </mc:Choice>
-        <mc:Fallback xmlns="">
+        <mc:Fallback>
           <p:sp>
             <p:nvSpPr>
               <p:cNvPr id="271" name="TextBox 270"/>
@@ -8107,14 +8019,14 @@
             </p:nvSpPr>
             <p:spPr>
               <a:xfrm>
-                <a:off x="1620545" y="7716701"/>
+                <a:off x="1599612" y="7235796"/>
                 <a:ext cx="264119" cy="223050"/>
               </a:xfrm>
               <a:prstGeom prst="rect">
                 <a:avLst/>
               </a:prstGeom>
               <a:blipFill rotWithShape="1">
-                <a:blip r:embed="rId28"/>
+                <a:blip r:embed="rId26"/>
                 <a:stretch>
                   <a:fillRect/>
                 </a:stretch>
@@ -8146,8 +8058,8 @@
         </p:nvCxnSpPr>
         <p:spPr>
           <a:xfrm flipV="1">
-            <a:off x="3638550" y="3830160"/>
-            <a:ext cx="138910" cy="5104669"/>
+            <a:off x="3668122" y="3312275"/>
+            <a:ext cx="773411" cy="4807351"/>
           </a:xfrm>
           <a:prstGeom prst="bentConnector2">
             <a:avLst/>
@@ -8171,8 +8083,8 @@
           </a:fontRef>
         </p:style>
       </p:cxnSp>
-      <mc:AlternateContent xmlns:mc="http://schemas.openxmlformats.org/markup-compatibility/2006" xmlns:a14="http://schemas.microsoft.com/office/drawing/2010/main">
-        <mc:Choice Requires="a14">
+      <mc:AlternateContent xmlns:mc="http://schemas.openxmlformats.org/markup-compatibility/2006">
+        <mc:Choice xmlns:a14="http://schemas.microsoft.com/office/drawing/2010/main" Requires="a14">
           <p:sp>
             <p:nvSpPr>
               <p:cNvPr id="282" name="TextBox 281"/>
@@ -8181,7 +8093,7 @@
             </p:nvSpPr>
             <p:spPr>
               <a:xfrm>
-                <a:off x="1564686" y="3063971"/>
+                <a:off x="1612910" y="2400264"/>
                 <a:ext cx="264119" cy="223050"/>
               </a:xfrm>
               <a:prstGeom prst="rect">
@@ -8219,7 +8131,7 @@
             </p:txBody>
           </p:sp>
         </mc:Choice>
-        <mc:Fallback xmlns="">
+        <mc:Fallback>
           <p:sp>
             <p:nvSpPr>
               <p:cNvPr id="282" name="TextBox 281"/>
@@ -8230,14 +8142,14 @@
             </p:nvSpPr>
             <p:spPr>
               <a:xfrm>
-                <a:off x="1564686" y="3063971"/>
+                <a:off x="1612910" y="2400264"/>
                 <a:ext cx="264119" cy="223050"/>
               </a:xfrm>
               <a:prstGeom prst="rect">
                 <a:avLst/>
               </a:prstGeom>
               <a:blipFill rotWithShape="1">
-                <a:blip r:embed="rId28"/>
+                <a:blip r:embed="rId27"/>
                 <a:stretch>
                   <a:fillRect/>
                 </a:stretch>
@@ -8258,8 +8170,8 @@
           </p:sp>
         </mc:Fallback>
       </mc:AlternateContent>
-      <mc:AlternateContent xmlns:mc="http://schemas.openxmlformats.org/markup-compatibility/2006" xmlns:a14="http://schemas.microsoft.com/office/drawing/2010/main">
-        <mc:Choice Requires="a14">
+      <mc:AlternateContent xmlns:mc="http://schemas.openxmlformats.org/markup-compatibility/2006">
+        <mc:Choice xmlns:a14="http://schemas.microsoft.com/office/drawing/2010/main" Requires="a14">
           <p:sp>
             <p:nvSpPr>
               <p:cNvPr id="283" name="TextBox 282"/>
@@ -8268,7 +8180,7 @@
             </p:nvSpPr>
             <p:spPr>
               <a:xfrm>
-                <a:off x="3269661" y="790248"/>
+                <a:off x="3506306" y="843750"/>
                 <a:ext cx="264119" cy="223050"/>
               </a:xfrm>
               <a:prstGeom prst="rect">
@@ -8306,7 +8218,7 @@
             </p:txBody>
           </p:sp>
         </mc:Choice>
-        <mc:Fallback xmlns="">
+        <mc:Fallback>
           <p:sp>
             <p:nvSpPr>
               <p:cNvPr id="283" name="TextBox 282"/>
@@ -8317,14 +8229,14 @@
             </p:nvSpPr>
             <p:spPr>
               <a:xfrm>
-                <a:off x="3269661" y="790248"/>
+                <a:off x="3506306" y="843750"/>
                 <a:ext cx="264119" cy="223050"/>
               </a:xfrm>
               <a:prstGeom prst="rect">
                 <a:avLst/>
               </a:prstGeom>
               <a:blipFill rotWithShape="1">
-                <a:blip r:embed="rId29"/>
+                <a:blip r:embed="rId26"/>
                 <a:stretch>
                   <a:fillRect/>
                 </a:stretch>
@@ -8356,8 +8268,8 @@
         </p:nvCxnSpPr>
         <p:spPr>
           <a:xfrm flipV="1">
-            <a:off x="1636715" y="3830160"/>
-            <a:ext cx="2140745" cy="4101983"/>
+            <a:off x="1666285" y="3312275"/>
+            <a:ext cx="2775246" cy="3942379"/>
           </a:xfrm>
           <a:prstGeom prst="bentConnector2">
             <a:avLst/>
@@ -8391,8 +8303,8 @@
             </p:nvSpPr>
             <p:spPr>
               <a:xfrm>
-                <a:off x="3408559" y="228600"/>
-                <a:ext cx="1294213" cy="230820"/>
+                <a:off x="3408560" y="228600"/>
+                <a:ext cx="1294213" cy="235885"/>
               </a:xfrm>
               <a:prstGeom prst="rect">
                 <a:avLst/>
@@ -8501,15 +8413,13 @@
       <p:cxnSp>
         <p:nvCxnSpPr>
           <p:cNvPr id="299" name="Elbow Connector 298"/>
-          <p:cNvCxnSpPr>
-            <a:endCxn id="5" idx="0"/>
-          </p:cNvCxnSpPr>
+          <p:cNvCxnSpPr/>
           <p:nvPr/>
         </p:nvCxnSpPr>
         <p:spPr>
           <a:xfrm rot="10800000" flipV="1">
-            <a:off x="2824169" y="205192"/>
-            <a:ext cx="1083861" cy="404408"/>
+            <a:off x="2938466" y="55012"/>
+            <a:ext cx="969566" cy="404408"/>
           </a:xfrm>
           <a:prstGeom prst="bentConnector2">
             <a:avLst/>
@@ -8533,6 +8443,260 @@
           </a:fontRef>
         </p:style>
       </p:cxnSp>
+      <mc:AlternateContent xmlns:mc="http://schemas.openxmlformats.org/markup-compatibility/2006">
+        <mc:Choice xmlns:a14="http://schemas.microsoft.com/office/drawing/2010/main" Requires="a14">
+          <p:sp>
+            <p:nvSpPr>
+              <p:cNvPr id="60" name="Rectangle 59"/>
+              <p:cNvSpPr/>
+              <p:nvPr/>
+            </p:nvSpPr>
+            <p:spPr>
+              <a:xfrm>
+                <a:off x="2731799" y="6093852"/>
+                <a:ext cx="1086644" cy="361822"/>
+              </a:xfrm>
+              <a:prstGeom prst="rect">
+                <a:avLst/>
+              </a:prstGeom>
+            </p:spPr>
+            <p:style>
+              <a:lnRef idx="1">
+                <a:schemeClr val="accent1"/>
+              </a:lnRef>
+              <a:fillRef idx="2">
+                <a:schemeClr val="accent1"/>
+              </a:fillRef>
+              <a:effectRef idx="1">
+                <a:schemeClr val="accent1"/>
+              </a:effectRef>
+              <a:fontRef idx="minor">
+                <a:schemeClr val="dk1"/>
+              </a:fontRef>
+            </p:style>
+            <p:txBody>
+              <a:bodyPr lIns="91429" tIns="45714" rIns="91429" bIns="45714" spcCol="0" rtlCol="0" anchor="ctr"/>
+              <a:lstStyle/>
+              <a:p>
+                <a:pPr algn="ctr"/>
+                <a14:m>
+                  <m:oMathPara xmlns:m="http://schemas.openxmlformats.org/officeDocument/2006/math">
+                    <m:oMathParaPr>
+                      <m:jc m:val="centerGroup"/>
+                    </m:oMathParaPr>
+                    <m:oMath xmlns:m="http://schemas.openxmlformats.org/officeDocument/2006/math">
+                      <m:r>
+                        <a:rPr lang="en-US" sz="1000" b="0" i="1" smtClean="0">
+                          <a:latin typeface="Cambria Math"/>
+                        </a:rPr>
+                        <m:t>[</m:t>
+                      </m:r>
+                      <m:r>
+                        <a:rPr lang="en-US" sz="1000" b="0" i="1" smtClean="0">
+                          <a:latin typeface="Cambria Math"/>
+                        </a:rPr>
+                        <m:t>𝑚</m:t>
+                      </m:r>
+                      <m:r>
+                        <a:rPr lang="en-US" sz="1000" b="0" i="1" smtClean="0">
+                          <a:latin typeface="Cambria Math"/>
+                        </a:rPr>
+                        <m:t>,</m:t>
+                      </m:r>
+                      <m:r>
+                        <a:rPr lang="en-US" sz="1000" b="0" i="1" smtClean="0">
+                          <a:latin typeface="Cambria Math"/>
+                        </a:rPr>
+                        <m:t>𝑛</m:t>
+                      </m:r>
+                      <m:r>
+                        <a:rPr lang="en-US" sz="1000" b="0" i="1" smtClean="0">
+                          <a:latin typeface="Cambria Math"/>
+                        </a:rPr>
+                        <m:t>]=</m:t>
+                      </m:r>
+                      <m:r>
+                        <a:rPr lang="en-US" sz="1000" b="0" i="1" smtClean="0">
+                          <a:latin typeface="Cambria Math"/>
+                        </a:rPr>
+                        <m:t>𝑠𝑖𝑧𝑒</m:t>
+                      </m:r>
+                      <m:r>
+                        <a:rPr lang="en-US" sz="1000" b="0" i="1" smtClean="0">
+                          <a:latin typeface="Cambria Math"/>
+                        </a:rPr>
+                        <m:t>(</m:t>
+                      </m:r>
+                      <m:r>
+                        <a:rPr lang="en-US" sz="1000" b="1" i="1" smtClean="0">
+                          <a:latin typeface="Cambria Math"/>
+                        </a:rPr>
+                        <m:t>𝑮</m:t>
+                      </m:r>
+                      <m:r>
+                        <a:rPr lang="en-US" sz="1000" b="1" i="1" smtClean="0">
+                          <a:latin typeface="Cambria Math"/>
+                        </a:rPr>
+                        <m:t>)</m:t>
+                      </m:r>
+                    </m:oMath>
+                  </m:oMathPara>
+                </a14:m>
+                <a:endParaRPr lang="en-US" sz="1000" b="1" dirty="0"/>
+              </a:p>
+            </p:txBody>
+          </p:sp>
+        </mc:Choice>
+        <mc:Fallback>
+          <p:sp>
+            <p:nvSpPr>
+              <p:cNvPr id="60" name="Rectangle 59"/>
+              <p:cNvSpPr>
+                <a:spLocks noRot="1" noChangeAspect="1" noMove="1" noResize="1" noEditPoints="1" noAdjustHandles="1" noChangeArrowheads="1" noChangeShapeType="1" noTextEdit="1"/>
+              </p:cNvSpPr>
+              <p:nvPr/>
+            </p:nvSpPr>
+            <p:spPr>
+              <a:xfrm>
+                <a:off x="2731799" y="6093852"/>
+                <a:ext cx="1086644" cy="361822"/>
+              </a:xfrm>
+              <a:prstGeom prst="rect">
+                <a:avLst/>
+              </a:prstGeom>
+              <a:blipFill rotWithShape="1">
+                <a:blip r:embed="rId31"/>
+                <a:stretch>
+                  <a:fillRect/>
+                </a:stretch>
+              </a:blipFill>
+            </p:spPr>
+            <p:txBody>
+              <a:bodyPr/>
+              <a:lstStyle/>
+              <a:p>
+                <a:r>
+                  <a:rPr lang="en-US">
+                    <a:noFill/>
+                  </a:rPr>
+                  <a:t> </a:t>
+                </a:r>
+              </a:p>
+            </p:txBody>
+          </p:sp>
+        </mc:Fallback>
+      </mc:AlternateContent>
+      <p:cxnSp>
+        <p:nvCxnSpPr>
+          <p:cNvPr id="27" name="Elbow Connector 26"/>
+          <p:cNvCxnSpPr>
+            <a:stCxn id="175" idx="3"/>
+            <a:endCxn id="60" idx="0"/>
+          </p:cNvCxnSpPr>
+          <p:nvPr/>
+        </p:nvCxnSpPr>
+        <p:spPr>
+          <a:xfrm flipH="1">
+            <a:off x="3275121" y="5438169"/>
+            <a:ext cx="516426" cy="655682"/>
+          </a:xfrm>
+          <a:prstGeom prst="bentConnector4">
+            <a:avLst>
+              <a:gd name="adj1" fmla="val -24592"/>
+              <a:gd name="adj2" fmla="val 76148"/>
+            </a:avLst>
+          </a:prstGeom>
+          <a:ln>
+            <a:tailEnd type="triangle"/>
+          </a:ln>
+        </p:spPr>
+        <p:style>
+          <a:lnRef idx="1">
+            <a:schemeClr val="accent1"/>
+          </a:lnRef>
+          <a:fillRef idx="0">
+            <a:schemeClr val="accent1"/>
+          </a:fillRef>
+          <a:effectRef idx="0">
+            <a:schemeClr val="accent1"/>
+          </a:effectRef>
+          <a:fontRef idx="minor">
+            <a:schemeClr val="tx1"/>
+          </a:fontRef>
+        </p:style>
+      </p:cxnSp>
+      <p:cxnSp>
+        <p:nvCxnSpPr>
+          <p:cNvPr id="62" name="Straight Arrow Connector 61"/>
+          <p:cNvCxnSpPr>
+            <a:stCxn id="43" idx="2"/>
+            <a:endCxn id="96" idx="0"/>
+          </p:cNvCxnSpPr>
+          <p:nvPr/>
+        </p:nvCxnSpPr>
+        <p:spPr>
+          <a:xfrm>
+            <a:off x="971657" y="2939419"/>
+            <a:ext cx="399" cy="258878"/>
+          </a:xfrm>
+          <a:prstGeom prst="straightConnector1">
+            <a:avLst/>
+          </a:prstGeom>
+          <a:ln>
+            <a:tailEnd type="triangle"/>
+          </a:ln>
+        </p:spPr>
+        <p:style>
+          <a:lnRef idx="1">
+            <a:schemeClr val="accent1"/>
+          </a:lnRef>
+          <a:fillRef idx="0">
+            <a:schemeClr val="accent1"/>
+          </a:fillRef>
+          <a:effectRef idx="0">
+            <a:schemeClr val="accent1"/>
+          </a:effectRef>
+          <a:fontRef idx="minor">
+            <a:schemeClr val="tx1"/>
+          </a:fontRef>
+        </p:style>
+      </p:cxnSp>
+      <p:cxnSp>
+        <p:nvCxnSpPr>
+          <p:cNvPr id="160" name="Elbow Connector 159"/>
+          <p:cNvCxnSpPr>
+            <a:stCxn id="175" idx="2"/>
+            <a:endCxn id="176" idx="0"/>
+          </p:cNvCxnSpPr>
+          <p:nvPr/>
+        </p:nvCxnSpPr>
+        <p:spPr>
+          <a:xfrm rot="5400000">
+            <a:off x="2217958" y="5545616"/>
+            <a:ext cx="394863" cy="865773"/>
+          </a:xfrm>
+          <a:prstGeom prst="bentConnector3">
+            <a:avLst/>
+          </a:prstGeom>
+          <a:ln>
+            <a:tailEnd type="triangle"/>
+          </a:ln>
+        </p:spPr>
+        <p:style>
+          <a:lnRef idx="2">
+            <a:schemeClr val="accent3"/>
+          </a:lnRef>
+          <a:fillRef idx="0">
+            <a:schemeClr val="accent3"/>
+          </a:fillRef>
+          <a:effectRef idx="1">
+            <a:schemeClr val="accent3"/>
+          </a:effectRef>
+          <a:fontRef idx="minor">
+            <a:schemeClr val="tx1"/>
+          </a:fontRef>
+        </p:style>
+      </p:cxnSp>
     </p:spTree>
     <p:extLst>
       <p:ext uri="{BB962C8B-B14F-4D97-AF65-F5344CB8AC3E}">
@@ -8543,6 +8707,13 @@
   <p:clrMapOvr>
     <a:masterClrMapping/>
   </p:clrMapOvr>
+  <p:timing>
+    <p:tnLst>
+      <p:par>
+        <p:cTn id="1" dur="indefinite" restart="never" nodeType="tmRoot"/>
+      </p:par>
+    </p:tnLst>
+  </p:timing>
 </p:sld>
 </file>
 
